--- a/Fintech Group Presentation.pptx
+++ b/Fintech Group Presentation.pptx
@@ -22,7 +22,6 @@
     <p:sldId id="267" r:id="rId19"/>
     <p:sldId id="268" r:id="rId20"/>
     <p:sldId id="269" r:id="rId21"/>
-    <p:sldId id="270" r:id="rId22"/>
   </p:sldIdLst>
   <p:sldSz cx="24384000" cy="13716000"/>
   <p:notesSz cx="6858000" cy="9144000"/>
@@ -53,7 +52,7 @@
         <a:uFillTx/>
       </a:defRPr>
     </a:defPPr>
-    <a:lvl1pPr marL="0" marR="0" indent="0" algn="l" defTabSz="2438338" rtl="0" fontAlgn="auto" latinLnBrk="0" hangingPunct="0">
+    <a:lvl1pPr marL="0" marR="0" indent="0" algn="l" defTabSz="2438337" rtl="0" fontAlgn="auto" latinLnBrk="0" hangingPunct="0">
       <a:lnSpc>
         <a:spcPct val="90000"/>
       </a:lnSpc>
@@ -83,7 +82,7 @@
         <a:sym typeface="Helvetica Neue"/>
       </a:defRPr>
     </a:lvl1pPr>
-    <a:lvl2pPr marL="0" marR="0" indent="0" algn="l" defTabSz="2438338" rtl="0" fontAlgn="auto" latinLnBrk="0" hangingPunct="0">
+    <a:lvl2pPr marL="0" marR="0" indent="0" algn="l" defTabSz="2438337" rtl="0" fontAlgn="auto" latinLnBrk="0" hangingPunct="0">
       <a:lnSpc>
         <a:spcPct val="90000"/>
       </a:lnSpc>
@@ -113,7 +112,7 @@
         <a:sym typeface="Helvetica Neue"/>
       </a:defRPr>
     </a:lvl2pPr>
-    <a:lvl3pPr marL="0" marR="0" indent="0" algn="l" defTabSz="2438338" rtl="0" fontAlgn="auto" latinLnBrk="0" hangingPunct="0">
+    <a:lvl3pPr marL="0" marR="0" indent="0" algn="l" defTabSz="2438337" rtl="0" fontAlgn="auto" latinLnBrk="0" hangingPunct="0">
       <a:lnSpc>
         <a:spcPct val="90000"/>
       </a:lnSpc>
@@ -143,7 +142,7 @@
         <a:sym typeface="Helvetica Neue"/>
       </a:defRPr>
     </a:lvl3pPr>
-    <a:lvl4pPr marL="0" marR="0" indent="0" algn="l" defTabSz="2438338" rtl="0" fontAlgn="auto" latinLnBrk="0" hangingPunct="0">
+    <a:lvl4pPr marL="0" marR="0" indent="0" algn="l" defTabSz="2438337" rtl="0" fontAlgn="auto" latinLnBrk="0" hangingPunct="0">
       <a:lnSpc>
         <a:spcPct val="90000"/>
       </a:lnSpc>
@@ -173,7 +172,7 @@
         <a:sym typeface="Helvetica Neue"/>
       </a:defRPr>
     </a:lvl4pPr>
-    <a:lvl5pPr marL="0" marR="0" indent="0" algn="l" defTabSz="2438338" rtl="0" fontAlgn="auto" latinLnBrk="0" hangingPunct="0">
+    <a:lvl5pPr marL="0" marR="0" indent="0" algn="l" defTabSz="2438337" rtl="0" fontAlgn="auto" latinLnBrk="0" hangingPunct="0">
       <a:lnSpc>
         <a:spcPct val="90000"/>
       </a:lnSpc>
@@ -203,7 +202,7 @@
         <a:sym typeface="Helvetica Neue"/>
       </a:defRPr>
     </a:lvl5pPr>
-    <a:lvl6pPr marL="0" marR="0" indent="0" algn="l" defTabSz="2438338" rtl="0" fontAlgn="auto" latinLnBrk="0" hangingPunct="0">
+    <a:lvl6pPr marL="0" marR="0" indent="0" algn="l" defTabSz="2438337" rtl="0" fontAlgn="auto" latinLnBrk="0" hangingPunct="0">
       <a:lnSpc>
         <a:spcPct val="90000"/>
       </a:lnSpc>
@@ -233,7 +232,7 @@
         <a:sym typeface="Helvetica Neue"/>
       </a:defRPr>
     </a:lvl6pPr>
-    <a:lvl7pPr marL="0" marR="0" indent="0" algn="l" defTabSz="2438338" rtl="0" fontAlgn="auto" latinLnBrk="0" hangingPunct="0">
+    <a:lvl7pPr marL="0" marR="0" indent="0" algn="l" defTabSz="2438337" rtl="0" fontAlgn="auto" latinLnBrk="0" hangingPunct="0">
       <a:lnSpc>
         <a:spcPct val="90000"/>
       </a:lnSpc>
@@ -263,7 +262,7 @@
         <a:sym typeface="Helvetica Neue"/>
       </a:defRPr>
     </a:lvl7pPr>
-    <a:lvl8pPr marL="0" marR="0" indent="0" algn="l" defTabSz="2438338" rtl="0" fontAlgn="auto" latinLnBrk="0" hangingPunct="0">
+    <a:lvl8pPr marL="0" marR="0" indent="0" algn="l" defTabSz="2438337" rtl="0" fontAlgn="auto" latinLnBrk="0" hangingPunct="0">
       <a:lnSpc>
         <a:spcPct val="90000"/>
       </a:lnSpc>
@@ -293,7 +292,7 @@
         <a:sym typeface="Helvetica Neue"/>
       </a:defRPr>
     </a:lvl8pPr>
-    <a:lvl9pPr marL="0" marR="0" indent="0" algn="l" defTabSz="2438338" rtl="0" fontAlgn="auto" latinLnBrk="0" hangingPunct="0">
+    <a:lvl9pPr marL="0" marR="0" indent="0" algn="l" defTabSz="2438337" rtl="0" fontAlgn="auto" latinLnBrk="0" hangingPunct="0">
       <a:lnSpc>
         <a:spcPct val="90000"/>
       </a:lnSpc>
@@ -594,7 +593,7 @@
       </p:grpSpPr>
       <p:sp>
         <p:nvSpPr>
-          <p:cNvPr id="207" name="Shape 207"/>
+          <p:cNvPr id="210" name="Shape 210"/>
           <p:cNvSpPr/>
           <p:nvPr>
             <p:ph type="sldImg"/>
@@ -615,7 +614,7 @@
       </p:sp>
       <p:sp>
         <p:nvSpPr>
-          <p:cNvPr id="208" name="Shape 208"/>
+          <p:cNvPr id="211" name="Shape 211"/>
           <p:cNvSpPr/>
           <p:nvPr>
             <p:ph type="body" sz="quarter" idx="1"/>
@@ -632,7 +631,7 @@
           <a:p>
             <a:pPr/>
             <a:r>
-              <a:t>At the moment there are two podcasts representing Afro Radio. The N word podcast by Meek Msaki. Big Jue Podcast by Calyster Jallah. Tune in to the talk shows to know about the hosts and their hosts. </a:t>
+              <a:t>There is one YouTube channel representing Afro Radio. Search Afro Radio on youtube. There is nothing on there.</a:t>
             </a:r>
           </a:p>
         </p:txBody>
@@ -664,7 +663,7 @@
       </p:grpSpPr>
       <p:sp>
         <p:nvSpPr>
-          <p:cNvPr id="216" name="Shape 216"/>
+          <p:cNvPr id="215" name="Shape 215"/>
           <p:cNvSpPr/>
           <p:nvPr>
             <p:ph type="sldImg"/>
@@ -685,77 +684,7 @@
       </p:sp>
       <p:sp>
         <p:nvSpPr>
-          <p:cNvPr id="217" name="Shape 217"/>
-          <p:cNvSpPr/>
-          <p:nvPr>
-            <p:ph type="body" sz="quarter" idx="1"/>
-          </p:nvPr>
-        </p:nvSpPr>
-        <p:spPr>
-          <a:prstGeom prst="rect">
-            <a:avLst/>
-          </a:prstGeom>
-        </p:spPr>
-        <p:txBody>
-          <a:bodyPr/>
-          <a:lstStyle/>
-          <a:p>
-            <a:pPr/>
-            <a:r>
-              <a:t>There is one YouTube channel representing Afro Radio. Search Afro Radio on youtube. There is nothing on there.</a:t>
-            </a:r>
-          </a:p>
-        </p:txBody>
-      </p:sp>
-    </p:spTree>
-  </p:cSld>
-  <p:clrMapOvr>
-    <a:masterClrMapping/>
-  </p:clrMapOvr>
-</p:notes>
-</file>
-
-<file path=ppt/notesSlides/notesSlide12.xml><?xml version="1.0" encoding="utf-8"?>
-<p:notes xmlns:a="http://schemas.openxmlformats.org/drawingml/2006/main" xmlns:r="http://schemas.openxmlformats.org/officeDocument/2006/relationships" xmlns:p="http://schemas.openxmlformats.org/presentationml/2006/main" xmlns:m="http://schemas.openxmlformats.org/officeDocument/2006/math" xmlns:a14="http://schemas.microsoft.com/office/drawing/2010/main" showMasterSp="1" showMasterPhAnim="1">
-  <p:cSld>
-    <p:spTree>
-      <p:nvGrpSpPr>
-        <p:cNvPr id="1" name=""/>
-        <p:cNvGrpSpPr/>
-        <p:nvPr/>
-      </p:nvGrpSpPr>
-      <p:grpSpPr>
-        <a:xfrm>
-          <a:off x="0" y="0"/>
-          <a:ext cx="0" cy="0"/>
-          <a:chOff x="0" y="0"/>
-          <a:chExt cx="0" cy="0"/>
-        </a:xfrm>
-      </p:grpSpPr>
-      <p:sp>
-        <p:nvSpPr>
-          <p:cNvPr id="221" name="Shape 221"/>
-          <p:cNvSpPr/>
-          <p:nvPr>
-            <p:ph type="sldImg"/>
-          </p:nvPr>
-        </p:nvSpPr>
-        <p:spPr>
-          <a:prstGeom prst="rect">
-            <a:avLst/>
-          </a:prstGeom>
-        </p:spPr>
-        <p:txBody>
-          <a:bodyPr/>
-          <a:lstStyle/>
-          <a:p>
-            <a:pPr/>
-          </a:p>
-        </p:txBody>
-      </p:sp>
-      <p:sp>
-        <p:nvSpPr>
-          <p:cNvPr id="222" name="Shape 222"/>
+          <p:cNvPr id="216" name="Shape 216"/>
           <p:cNvSpPr/>
           <p:nvPr>
             <p:ph type="body" sz="quarter" idx="1"/>
@@ -1346,7 +1275,7 @@
 </file>
 
 <file path=ppt/slideLayouts/slideLayout1.xml><?xml version="1.0" encoding="utf-8"?>
-<p:sldLayout xmlns:a="http://schemas.openxmlformats.org/drawingml/2006/main" xmlns:r="http://schemas.openxmlformats.org/officeDocument/2006/relationships" xmlns:p="http://schemas.openxmlformats.org/presentationml/2006/main" xmlns:m="http://schemas.openxmlformats.org/officeDocument/2006/math" xmlns:a14="http://schemas.microsoft.com/office/drawing/2010/main" type="title" showMasterSp="1" showMasterPhAnim="1">
+<p:sldLayout xmlns:a="http://schemas.openxmlformats.org/drawingml/2006/main" xmlns:r="http://schemas.openxmlformats.org/officeDocument/2006/relationships" xmlns:p="http://schemas.openxmlformats.org/presentationml/2006/main" xmlns:m="http://schemas.openxmlformats.org/officeDocument/2006/math" xmlns:a14="http://schemas.microsoft.com/office/drawing/2010/main" type="tx" showMasterSp="1" showMasterPhAnim="1">
   <p:cSld name="Title">
     <p:spTree>
       <p:nvGrpSpPr>
@@ -1364,23 +1293,23 @@
       </p:grpSpPr>
       <p:sp>
         <p:nvSpPr>
-          <p:cNvPr id="11" name="Author and Date"/>
+          <p:cNvPr id="11" name="Body Level One…"/>
           <p:cNvSpPr txBox="1"/>
           <p:nvPr>
-            <p:ph type="body" sz="quarter" idx="21" hasCustomPrompt="1"/>
+            <p:ph type="body" sz="quarter" idx="1" hasCustomPrompt="1"/>
           </p:nvPr>
         </p:nvSpPr>
         <p:spPr>
           <a:xfrm>
             <a:off x="1201340" y="11859862"/>
-            <a:ext cx="21971003" cy="636979"/>
+            <a:ext cx="21971004" cy="636980"/>
           </a:xfrm>
           <a:prstGeom prst="rect">
             <a:avLst/>
           </a:prstGeom>
         </p:spPr>
         <p:txBody>
-          <a:bodyPr lIns="45719" tIns="45719" rIns="45719" bIns="45719"/>
+          <a:bodyPr lIns="45718" tIns="45718" rIns="45718" bIns="45718" numCol="1" spcCol="38100"/>
           <a:lstStyle>
             <a:lvl1pPr marL="0" indent="0" defTabSz="825500">
               <a:lnSpc>
@@ -1393,11 +1322,71 @@
               <a:buNone/>
               <a:defRPr b="1" sz="3600"/>
             </a:lvl1pPr>
+            <a:lvl2pPr marL="1066800" indent="-457200" defTabSz="825500">
+              <a:lnSpc>
+                <a:spcPct val="100000"/>
+              </a:lnSpc>
+              <a:spcBef>
+                <a:spcPts val="0"/>
+              </a:spcBef>
+              <a:defRPr b="1" sz="3600"/>
+            </a:lvl2pPr>
+            <a:lvl3pPr marL="1676400" indent="-457200" defTabSz="825500">
+              <a:lnSpc>
+                <a:spcPct val="100000"/>
+              </a:lnSpc>
+              <a:spcBef>
+                <a:spcPts val="0"/>
+              </a:spcBef>
+              <a:defRPr b="1" sz="3600"/>
+            </a:lvl3pPr>
+            <a:lvl4pPr marL="2286000" indent="-457200" defTabSz="825500">
+              <a:lnSpc>
+                <a:spcPct val="100000"/>
+              </a:lnSpc>
+              <a:spcBef>
+                <a:spcPts val="0"/>
+              </a:spcBef>
+              <a:defRPr b="1" sz="3600"/>
+            </a:lvl4pPr>
+            <a:lvl5pPr marL="2895600" indent="-457200" defTabSz="825500">
+              <a:lnSpc>
+                <a:spcPct val="100000"/>
+              </a:lnSpc>
+              <a:spcBef>
+                <a:spcPts val="0"/>
+              </a:spcBef>
+              <a:defRPr b="1" sz="3600"/>
+            </a:lvl5pPr>
           </a:lstStyle>
           <a:p>
             <a:pPr/>
             <a:r>
               <a:t>Author and Date</a:t>
+            </a:r>
+          </a:p>
+          <a:p>
+            <a:pPr lvl="1"/>
+            <a:r>
+              <a:t/>
+            </a:r>
+          </a:p>
+          <a:p>
+            <a:pPr lvl="2"/>
+            <a:r>
+              <a:t/>
+            </a:r>
+          </a:p>
+          <a:p>
+            <a:pPr lvl="3"/>
+            <a:r>
+              <a:t/>
+            </a:r>
+          </a:p>
+          <a:p>
+            <a:pPr lvl="4"/>
+            <a:r>
+              <a:t/>
             </a:r>
           </a:p>
         </p:txBody>
@@ -1413,7 +1402,7 @@
         <p:spPr>
           <a:xfrm>
             <a:off x="1206496" y="2574991"/>
-            <a:ext cx="21971004" cy="4648201"/>
+            <a:ext cx="21971005" cy="4648202"/>
           </a:xfrm>
           <a:prstGeom prst="rect">
             <a:avLst/>
@@ -1439,20 +1428,20 @@
           <p:cNvPr id="13" name="Body Level One…"/>
           <p:cNvSpPr txBox="1"/>
           <p:nvPr>
-            <p:ph type="body" sz="quarter" idx="1" hasCustomPrompt="1"/>
+            <p:ph type="body" sz="quarter" idx="21" hasCustomPrompt="1"/>
           </p:nvPr>
         </p:nvSpPr>
         <p:spPr>
           <a:xfrm>
             <a:off x="1201342" y="7223190"/>
-            <a:ext cx="21971001" cy="1905001"/>
+            <a:ext cx="21971002" cy="1905002"/>
           </a:xfrm>
           <a:prstGeom prst="rect">
             <a:avLst/>
           </a:prstGeom>
         </p:spPr>
         <p:txBody>
-          <a:bodyPr/>
+          <a:bodyPr numCol="1" spcCol="38100"/>
           <a:lstStyle>
             <a:lvl1pPr marL="0" indent="0" defTabSz="825500">
               <a:lnSpc>
@@ -1465,79 +1454,11 @@
               <a:buNone/>
               <a:defRPr b="1" sz="5500"/>
             </a:lvl1pPr>
-            <a:lvl2pPr marL="0" indent="0" defTabSz="825500">
-              <a:lnSpc>
-                <a:spcPct val="100000"/>
-              </a:lnSpc>
-              <a:spcBef>
-                <a:spcPts val="0"/>
-              </a:spcBef>
-              <a:buSzTx/>
-              <a:buNone/>
-              <a:defRPr b="1" sz="5500"/>
-            </a:lvl2pPr>
-            <a:lvl3pPr marL="0" indent="0" defTabSz="825500">
-              <a:lnSpc>
-                <a:spcPct val="100000"/>
-              </a:lnSpc>
-              <a:spcBef>
-                <a:spcPts val="0"/>
-              </a:spcBef>
-              <a:buSzTx/>
-              <a:buNone/>
-              <a:defRPr b="1" sz="5500"/>
-            </a:lvl3pPr>
-            <a:lvl4pPr marL="0" indent="0" defTabSz="825500">
-              <a:lnSpc>
-                <a:spcPct val="100000"/>
-              </a:lnSpc>
-              <a:spcBef>
-                <a:spcPts val="0"/>
-              </a:spcBef>
-              <a:buSzTx/>
-              <a:buNone/>
-              <a:defRPr b="1" sz="5500"/>
-            </a:lvl4pPr>
-            <a:lvl5pPr marL="0" indent="0" defTabSz="825500">
-              <a:lnSpc>
-                <a:spcPct val="100000"/>
-              </a:lnSpc>
-              <a:spcBef>
-                <a:spcPts val="0"/>
-              </a:spcBef>
-              <a:buSzTx/>
-              <a:buNone/>
-              <a:defRPr b="1" sz="5500"/>
-            </a:lvl5pPr>
           </a:lstStyle>
           <a:p>
             <a:pPr/>
             <a:r>
               <a:t>Presentation Subtitle</a:t>
-            </a:r>
-          </a:p>
-          <a:p>
-            <a:pPr lvl="1"/>
-            <a:r>
-              <a:t/>
-            </a:r>
-          </a:p>
-          <a:p>
-            <a:pPr lvl="2"/>
-            <a:r>
-              <a:t/>
-            </a:r>
-          </a:p>
-          <a:p>
-            <a:pPr lvl="3"/>
-            <a:r>
-              <a:t/>
-            </a:r>
-          </a:p>
-          <a:p>
-            <a:pPr lvl="4"/>
-            <a:r>
-              <a:t/>
             </a:r>
           </a:p>
         </p:txBody>
@@ -1608,7 +1529,7 @@
           </a:prstGeom>
         </p:spPr>
         <p:txBody>
-          <a:bodyPr anchor="ctr"/>
+          <a:bodyPr numCol="1" spcCol="38100" anchor="ctr"/>
           <a:lstStyle>
             <a:lvl1pPr marL="0" indent="0" algn="ctr">
               <a:lnSpc>
@@ -1781,15 +1702,15 @@
         </p:nvSpPr>
         <p:spPr>
           <a:xfrm>
-            <a:off x="1206500" y="1075927"/>
-            <a:ext cx="21971000" cy="7241584"/>
+            <a:off x="1206500" y="1075926"/>
+            <a:ext cx="21971000" cy="7241586"/>
           </a:xfrm>
           <a:prstGeom prst="rect">
             <a:avLst/>
           </a:prstGeom>
         </p:spPr>
         <p:txBody>
-          <a:bodyPr anchor="b"/>
+          <a:bodyPr numCol="1" spcCol="38100" anchor="b"/>
           <a:lstStyle>
             <a:lvl1pPr marL="0" indent="0" algn="ctr">
               <a:lnSpc>
@@ -1897,7 +1818,7 @@
           </a:prstGeom>
         </p:spPr>
         <p:txBody>
-          <a:bodyPr lIns="45719" tIns="45719" rIns="45719" bIns="45719"/>
+          <a:bodyPr lIns="45718" tIns="45718" rIns="45718" bIns="45718" numCol="1" spcCol="38100"/>
           <a:lstStyle>
             <a:lvl1pPr marL="0" indent="0" algn="ctr" defTabSz="825500">
               <a:lnSpc>
@@ -1969,23 +1890,23 @@
       </p:grpSpPr>
       <p:sp>
         <p:nvSpPr>
-          <p:cNvPr id="115" name="Attribution"/>
+          <p:cNvPr id="115" name="Body Level One…"/>
           <p:cNvSpPr txBox="1"/>
           <p:nvPr>
-            <p:ph type="body" sz="quarter" idx="21" hasCustomPrompt="1"/>
+            <p:ph type="body" sz="quarter" idx="1" hasCustomPrompt="1"/>
           </p:nvPr>
         </p:nvSpPr>
         <p:spPr>
           <a:xfrm>
-            <a:off x="2430025" y="10675453"/>
-            <a:ext cx="20200052" cy="636979"/>
+            <a:off x="2430024" y="10675453"/>
+            <a:ext cx="20200054" cy="636980"/>
           </a:xfrm>
           <a:prstGeom prst="rect">
             <a:avLst/>
           </a:prstGeom>
         </p:spPr>
         <p:txBody>
-          <a:bodyPr lIns="45719" tIns="45719" rIns="45719" bIns="45719"/>
+          <a:bodyPr lIns="45718" tIns="45718" rIns="45718" bIns="45718" numCol="1" spcCol="38100"/>
           <a:lstStyle>
             <a:lvl1pPr marL="0" indent="0" defTabSz="825500">
               <a:lnSpc>
@@ -1998,11 +1919,71 @@
               <a:buNone/>
               <a:defRPr b="1" sz="3600"/>
             </a:lvl1pPr>
+            <a:lvl2pPr marL="1066800" indent="-457200" defTabSz="825500">
+              <a:lnSpc>
+                <a:spcPct val="100000"/>
+              </a:lnSpc>
+              <a:spcBef>
+                <a:spcPts val="0"/>
+              </a:spcBef>
+              <a:defRPr b="1" sz="3600"/>
+            </a:lvl2pPr>
+            <a:lvl3pPr marL="1676400" indent="-457200" defTabSz="825500">
+              <a:lnSpc>
+                <a:spcPct val="100000"/>
+              </a:lnSpc>
+              <a:spcBef>
+                <a:spcPts val="0"/>
+              </a:spcBef>
+              <a:defRPr b="1" sz="3600"/>
+            </a:lvl3pPr>
+            <a:lvl4pPr marL="2286000" indent="-457200" defTabSz="825500">
+              <a:lnSpc>
+                <a:spcPct val="100000"/>
+              </a:lnSpc>
+              <a:spcBef>
+                <a:spcPts val="0"/>
+              </a:spcBef>
+              <a:defRPr b="1" sz="3600"/>
+            </a:lvl4pPr>
+            <a:lvl5pPr marL="2895600" indent="-457200" defTabSz="825500">
+              <a:lnSpc>
+                <a:spcPct val="100000"/>
+              </a:lnSpc>
+              <a:spcBef>
+                <a:spcPts val="0"/>
+              </a:spcBef>
+              <a:defRPr b="1" sz="3600"/>
+            </a:lvl5pPr>
           </a:lstStyle>
           <a:p>
             <a:pPr/>
             <a:r>
               <a:t>Attribution</a:t>
+            </a:r>
+          </a:p>
+          <a:p>
+            <a:pPr lvl="1"/>
+            <a:r>
+              <a:t/>
+            </a:r>
+          </a:p>
+          <a:p>
+            <a:pPr lvl="2"/>
+            <a:r>
+              <a:t/>
+            </a:r>
+          </a:p>
+          <a:p>
+            <a:pPr lvl="3"/>
+            <a:r>
+              <a:t/>
+            </a:r>
+          </a:p>
+          <a:p>
+            <a:pPr lvl="4"/>
+            <a:r>
+              <a:t/>
             </a:r>
           </a:p>
         </p:txBody>
@@ -2012,115 +1993,39 @@
           <p:cNvPr id="116" name="Body Level One…"/>
           <p:cNvSpPr txBox="1"/>
           <p:nvPr>
-            <p:ph type="body" sz="half" idx="1" hasCustomPrompt="1"/>
+            <p:ph type="body" sz="half" idx="21" hasCustomPrompt="1"/>
           </p:nvPr>
         </p:nvSpPr>
         <p:spPr>
           <a:xfrm>
             <a:off x="1753923" y="4939860"/>
-            <a:ext cx="20876154" cy="3836280"/>
+            <a:ext cx="20876154" cy="3836281"/>
           </a:xfrm>
           <a:prstGeom prst="rect">
             <a:avLst/>
           </a:prstGeom>
         </p:spPr>
         <p:txBody>
-          <a:bodyPr/>
+          <a:bodyPr numCol="1" spcCol="38100"/>
           <a:lstStyle>
-            <a:lvl1pPr marL="638923" indent="-469900">
+            <a:lvl1pPr marL="469900" indent="-300876">
               <a:spcBef>
                 <a:spcPts val="0"/>
               </a:spcBef>
               <a:buSzTx/>
               <a:buNone/>
-              <a:defRPr spc="-170" sz="8500">
+              <a:defRPr spc="-200" sz="8500">
                 <a:latin typeface="Helvetica Neue Medium"/>
                 <a:ea typeface="Helvetica Neue Medium"/>
                 <a:cs typeface="Helvetica Neue Medium"/>
                 <a:sym typeface="Helvetica Neue Medium"/>
               </a:defRPr>
             </a:lvl1pPr>
-            <a:lvl2pPr marL="638923" indent="-469900">
-              <a:spcBef>
-                <a:spcPts val="0"/>
-              </a:spcBef>
-              <a:buSzTx/>
-              <a:buNone/>
-              <a:defRPr spc="-170" sz="8500">
-                <a:latin typeface="Helvetica Neue Medium"/>
-                <a:ea typeface="Helvetica Neue Medium"/>
-                <a:cs typeface="Helvetica Neue Medium"/>
-                <a:sym typeface="Helvetica Neue Medium"/>
-              </a:defRPr>
-            </a:lvl2pPr>
-            <a:lvl3pPr marL="638923" indent="-469900">
-              <a:spcBef>
-                <a:spcPts val="0"/>
-              </a:spcBef>
-              <a:buSzTx/>
-              <a:buNone/>
-              <a:defRPr spc="-170" sz="8500">
-                <a:latin typeface="Helvetica Neue Medium"/>
-                <a:ea typeface="Helvetica Neue Medium"/>
-                <a:cs typeface="Helvetica Neue Medium"/>
-                <a:sym typeface="Helvetica Neue Medium"/>
-              </a:defRPr>
-            </a:lvl3pPr>
-            <a:lvl4pPr marL="638923" indent="-469900">
-              <a:spcBef>
-                <a:spcPts val="0"/>
-              </a:spcBef>
-              <a:buSzTx/>
-              <a:buNone/>
-              <a:defRPr spc="-170" sz="8500">
-                <a:latin typeface="Helvetica Neue Medium"/>
-                <a:ea typeface="Helvetica Neue Medium"/>
-                <a:cs typeface="Helvetica Neue Medium"/>
-                <a:sym typeface="Helvetica Neue Medium"/>
-              </a:defRPr>
-            </a:lvl4pPr>
-            <a:lvl5pPr marL="638923" indent="-469900">
-              <a:spcBef>
-                <a:spcPts val="0"/>
-              </a:spcBef>
-              <a:buSzTx/>
-              <a:buNone/>
-              <a:defRPr spc="-170" sz="8500">
-                <a:latin typeface="Helvetica Neue Medium"/>
-                <a:ea typeface="Helvetica Neue Medium"/>
-                <a:cs typeface="Helvetica Neue Medium"/>
-                <a:sym typeface="Helvetica Neue Medium"/>
-              </a:defRPr>
-            </a:lvl5pPr>
           </a:lstStyle>
           <a:p>
             <a:pPr/>
             <a:r>
               <a:t>“Notable Quote”</a:t>
-            </a:r>
-          </a:p>
-          <a:p>
-            <a:pPr lvl="1"/>
-            <a:r>
-              <a:t/>
-            </a:r>
-          </a:p>
-          <a:p>
-            <a:pPr lvl="2"/>
-            <a:r>
-              <a:t/>
-            </a:r>
-          </a:p>
-          <a:p>
-            <a:pPr lvl="3"/>
-            <a:r>
-              <a:t/>
-            </a:r>
-          </a:p>
-          <a:p>
-            <a:pPr lvl="4"/>
-            <a:r>
-              <a:t/>
             </a:r>
           </a:p>
         </p:txBody>
@@ -2191,7 +2096,7 @@
           </a:prstGeom>
         </p:spPr>
         <p:txBody>
-          <a:bodyPr lIns="91439" tIns="45719" rIns="91439" bIns="45719">
+          <a:bodyPr lIns="91439" tIns="45719" rIns="91439" bIns="45719" numCol="1" spcCol="38100">
             <a:noAutofit/>
           </a:bodyPr>
           <a:lstStyle/>
@@ -2218,7 +2123,7 @@
           </a:prstGeom>
         </p:spPr>
         <p:txBody>
-          <a:bodyPr lIns="91439" tIns="45719" rIns="91439" bIns="45719">
+          <a:bodyPr lIns="91439" tIns="45719" rIns="91439" bIns="45719" numCol="1" spcCol="38100">
             <a:noAutofit/>
           </a:bodyPr>
           <a:lstStyle/>
@@ -2245,7 +2150,7 @@
           </a:prstGeom>
         </p:spPr>
         <p:txBody>
-          <a:bodyPr lIns="91439" tIns="45719" rIns="91439" bIns="45719">
+          <a:bodyPr lIns="91439" tIns="45719" rIns="91439" bIns="45719" numCol="1" spcCol="38100">
             <a:noAutofit/>
           </a:bodyPr>
           <a:lstStyle/>
@@ -2320,7 +2225,7 @@
           </a:prstGeom>
         </p:spPr>
         <p:txBody>
-          <a:bodyPr lIns="91439" tIns="45719" rIns="91439" bIns="45719">
+          <a:bodyPr lIns="91439" tIns="45719" rIns="91439" bIns="45719" numCol="1" spcCol="38100">
             <a:noAutofit/>
           </a:bodyPr>
           <a:lstStyle/>
@@ -2451,7 +2356,7 @@
           </a:prstGeom>
         </p:spPr>
         <p:txBody>
-          <a:bodyPr lIns="91439" tIns="45719" rIns="91439" bIns="45719">
+          <a:bodyPr lIns="91439" tIns="45719" rIns="91439" bIns="45719" numCol="1" spcCol="38100">
             <a:noAutofit/>
           </a:bodyPr>
           <a:lstStyle/>
@@ -2494,23 +2399,23 @@
       </p:sp>
       <p:sp>
         <p:nvSpPr>
-          <p:cNvPr id="23" name="Author and Date"/>
+          <p:cNvPr id="23" name="Body Level One…"/>
           <p:cNvSpPr txBox="1"/>
           <p:nvPr>
-            <p:ph type="body" sz="quarter" idx="22" hasCustomPrompt="1"/>
+            <p:ph type="body" sz="quarter" idx="1" hasCustomPrompt="1"/>
           </p:nvPr>
         </p:nvSpPr>
         <p:spPr>
           <a:xfrm>
             <a:off x="1207690" y="1106137"/>
-            <a:ext cx="21968621" cy="636979"/>
+            <a:ext cx="21968621" cy="636980"/>
           </a:xfrm>
           <a:prstGeom prst="rect">
             <a:avLst/>
           </a:prstGeom>
         </p:spPr>
         <p:txBody>
-          <a:bodyPr lIns="45719" tIns="45719" rIns="45719" bIns="45719"/>
+          <a:bodyPr lIns="45718" tIns="45718" rIns="45718" bIns="45718" numCol="1" spcCol="38100"/>
           <a:lstStyle>
             <a:lvl1pPr marL="0" indent="0" defTabSz="825500">
               <a:lnSpc>
@@ -2523,11 +2428,71 @@
               <a:buNone/>
               <a:defRPr b="1" sz="3600"/>
             </a:lvl1pPr>
+            <a:lvl2pPr marL="1066800" indent="-457200" defTabSz="825500">
+              <a:lnSpc>
+                <a:spcPct val="100000"/>
+              </a:lnSpc>
+              <a:spcBef>
+                <a:spcPts val="0"/>
+              </a:spcBef>
+              <a:defRPr b="1" sz="3600"/>
+            </a:lvl2pPr>
+            <a:lvl3pPr marL="1676400" indent="-457200" defTabSz="825500">
+              <a:lnSpc>
+                <a:spcPct val="100000"/>
+              </a:lnSpc>
+              <a:spcBef>
+                <a:spcPts val="0"/>
+              </a:spcBef>
+              <a:defRPr b="1" sz="3600"/>
+            </a:lvl3pPr>
+            <a:lvl4pPr marL="2286000" indent="-457200" defTabSz="825500">
+              <a:lnSpc>
+                <a:spcPct val="100000"/>
+              </a:lnSpc>
+              <a:spcBef>
+                <a:spcPts val="0"/>
+              </a:spcBef>
+              <a:defRPr b="1" sz="3600"/>
+            </a:lvl4pPr>
+            <a:lvl5pPr marL="2895600" indent="-457200" defTabSz="825500">
+              <a:lnSpc>
+                <a:spcPct val="100000"/>
+              </a:lnSpc>
+              <a:spcBef>
+                <a:spcPts val="0"/>
+              </a:spcBef>
+              <a:defRPr b="1" sz="3600"/>
+            </a:lvl5pPr>
           </a:lstStyle>
           <a:p>
             <a:pPr/>
             <a:r>
               <a:t>Author and Date</a:t>
+            </a:r>
+          </a:p>
+          <a:p>
+            <a:pPr lvl="1"/>
+            <a:r>
+              <a:t/>
+            </a:r>
+          </a:p>
+          <a:p>
+            <a:pPr lvl="2"/>
+            <a:r>
+              <a:t/>
+            </a:r>
+          </a:p>
+          <a:p>
+            <a:pPr lvl="3"/>
+            <a:r>
+              <a:t/>
+            </a:r>
+          </a:p>
+          <a:p>
+            <a:pPr lvl="4"/>
+            <a:r>
+              <a:t/>
             </a:r>
           </a:p>
         </p:txBody>
@@ -2537,20 +2502,163 @@
           <p:cNvPr id="24" name="Body Level One…"/>
           <p:cNvSpPr txBox="1"/>
           <p:nvPr>
+            <p:ph type="body" sz="quarter" idx="22" hasCustomPrompt="1"/>
+          </p:nvPr>
+        </p:nvSpPr>
+        <p:spPr>
+          <a:xfrm>
+            <a:off x="1206500" y="11609909"/>
+            <a:ext cx="21971000" cy="1116953"/>
+          </a:xfrm>
+          <a:prstGeom prst="rect">
+            <a:avLst/>
+          </a:prstGeom>
+        </p:spPr>
+        <p:txBody>
+          <a:bodyPr numCol="1" spcCol="38100"/>
+          <a:lstStyle>
+            <a:lvl1pPr marL="0" indent="0" defTabSz="825500">
+              <a:lnSpc>
+                <a:spcPct val="100000"/>
+              </a:lnSpc>
+              <a:spcBef>
+                <a:spcPts val="0"/>
+              </a:spcBef>
+              <a:buSzTx/>
+              <a:buNone/>
+              <a:defRPr b="1" sz="5500"/>
+            </a:lvl1pPr>
+          </a:lstStyle>
+          <a:p>
+            <a:pPr/>
+            <a:r>
+              <a:t>Presentation Subtitle</a:t>
+            </a:r>
+          </a:p>
+        </p:txBody>
+      </p:sp>
+      <p:sp>
+        <p:nvSpPr>
+          <p:cNvPr id="25" name="Slide Number"/>
+          <p:cNvSpPr txBox="1"/>
+          <p:nvPr>
+            <p:ph type="sldNum" sz="quarter" idx="2"/>
+          </p:nvPr>
+        </p:nvSpPr>
+        <p:spPr>
+          <a:prstGeom prst="rect">
+            <a:avLst/>
+          </a:prstGeom>
+        </p:spPr>
+        <p:txBody>
+          <a:bodyPr/>
+          <a:lstStyle/>
+          <a:p>
+            <a:pPr/>
+            <a:fld id="{86CB4B4D-7CA3-9044-876B-883B54F8677D}" type="slidenum"/>
+          </a:p>
+        </p:txBody>
+      </p:sp>
+    </p:spTree>
+  </p:cSld>
+  <p:clrMapOvr>
+    <a:masterClrMapping/>
+  </p:clrMapOvr>
+  <p:transition xmlns:p14="http://schemas.microsoft.com/office/powerpoint/2010/main" spd="med" advClick="1"/>
+</p:sldLayout>
+</file>
+
+<file path=ppt/slideLayouts/slideLayout3.xml><?xml version="1.0" encoding="utf-8"?>
+<p:sldLayout xmlns:a="http://schemas.openxmlformats.org/drawingml/2006/main" xmlns:r="http://schemas.openxmlformats.org/officeDocument/2006/relationships" xmlns:p="http://schemas.openxmlformats.org/presentationml/2006/main" xmlns:m="http://schemas.openxmlformats.org/officeDocument/2006/math" xmlns:a14="http://schemas.microsoft.com/office/drawing/2010/main" type="tx" showMasterSp="1" showMasterPhAnim="1">
+  <p:cSld name="Title &amp; Photo Alt">
+    <p:spTree>
+      <p:nvGrpSpPr>
+        <p:cNvPr id="1" name=""/>
+        <p:cNvGrpSpPr/>
+        <p:nvPr/>
+      </p:nvGrpSpPr>
+      <p:grpSpPr>
+        <a:xfrm>
+          <a:off x="0" y="0"/>
+          <a:ext cx="0" cy="0"/>
+          <a:chOff x="0" y="0"/>
+          <a:chExt cx="0" cy="0"/>
+        </a:xfrm>
+      </p:grpSpPr>
+      <p:sp>
+        <p:nvSpPr>
+          <p:cNvPr id="32" name="910457886_1434x1669.jpg"/>
+          <p:cNvSpPr/>
+          <p:nvPr>
+            <p:ph type="pic" idx="21"/>
+          </p:nvPr>
+        </p:nvSpPr>
+        <p:spPr>
+          <a:xfrm>
+            <a:off x="10972800" y="-203200"/>
+            <a:ext cx="12144837" cy="14135100"/>
+          </a:xfrm>
+          <a:prstGeom prst="rect">
+            <a:avLst/>
+          </a:prstGeom>
+        </p:spPr>
+        <p:txBody>
+          <a:bodyPr lIns="91439" tIns="45719" rIns="91439" bIns="45719" numCol="1" spcCol="38100">
+            <a:noAutofit/>
+          </a:bodyPr>
+          <a:lstStyle/>
+          <a:p>
+            <a:pPr/>
+          </a:p>
+        </p:txBody>
+      </p:sp>
+      <p:sp>
+        <p:nvSpPr>
+          <p:cNvPr id="33" name="Slide Title"/>
+          <p:cNvSpPr txBox="1"/>
+          <p:nvPr>
+            <p:ph type="title" hasCustomPrompt="1"/>
+          </p:nvPr>
+        </p:nvSpPr>
+        <p:spPr>
+          <a:xfrm>
+            <a:off x="1206500" y="1270000"/>
+            <a:ext cx="9779000" cy="5882274"/>
+          </a:xfrm>
+          <a:prstGeom prst="rect">
+            <a:avLst/>
+          </a:prstGeom>
+        </p:spPr>
+        <p:txBody>
+          <a:bodyPr anchor="b"/>
+          <a:lstStyle/>
+          <a:p>
+            <a:pPr/>
+            <a:r>
+              <a:t>Slide Title</a:t>
+            </a:r>
+          </a:p>
+        </p:txBody>
+      </p:sp>
+      <p:sp>
+        <p:nvSpPr>
+          <p:cNvPr id="34" name="Body Level One…"/>
+          <p:cNvSpPr txBox="1"/>
+          <p:nvPr>
             <p:ph type="body" sz="quarter" idx="1" hasCustomPrompt="1"/>
           </p:nvPr>
         </p:nvSpPr>
         <p:spPr>
           <a:xfrm>
-            <a:off x="1206500" y="11609910"/>
-            <a:ext cx="21971000" cy="1116952"/>
+            <a:off x="1206500" y="7060576"/>
+            <a:ext cx="9779000" cy="5385424"/>
           </a:xfrm>
           <a:prstGeom prst="rect">
             <a:avLst/>
           </a:prstGeom>
         </p:spPr>
         <p:txBody>
-          <a:bodyPr/>
+          <a:bodyPr numCol="1" spcCol="38100"/>
           <a:lstStyle>
             <a:lvl1pPr marL="0" indent="0" defTabSz="825500">
               <a:lnSpc>
@@ -2611,217 +2719,6 @@
           <a:p>
             <a:pPr/>
             <a:r>
-              <a:t>Presentation Subtitle</a:t>
-            </a:r>
-          </a:p>
-          <a:p>
-            <a:pPr lvl="1"/>
-            <a:r>
-              <a:t/>
-            </a:r>
-          </a:p>
-          <a:p>
-            <a:pPr lvl="2"/>
-            <a:r>
-              <a:t/>
-            </a:r>
-          </a:p>
-          <a:p>
-            <a:pPr lvl="3"/>
-            <a:r>
-              <a:t/>
-            </a:r>
-          </a:p>
-          <a:p>
-            <a:pPr lvl="4"/>
-            <a:r>
-              <a:t/>
-            </a:r>
-          </a:p>
-        </p:txBody>
-      </p:sp>
-      <p:sp>
-        <p:nvSpPr>
-          <p:cNvPr id="25" name="Slide Number"/>
-          <p:cNvSpPr txBox="1"/>
-          <p:nvPr>
-            <p:ph type="sldNum" sz="quarter" idx="2"/>
-          </p:nvPr>
-        </p:nvSpPr>
-        <p:spPr>
-          <a:prstGeom prst="rect">
-            <a:avLst/>
-          </a:prstGeom>
-        </p:spPr>
-        <p:txBody>
-          <a:bodyPr/>
-          <a:lstStyle/>
-          <a:p>
-            <a:pPr/>
-            <a:fld id="{86CB4B4D-7CA3-9044-876B-883B54F8677D}" type="slidenum"/>
-          </a:p>
-        </p:txBody>
-      </p:sp>
-    </p:spTree>
-  </p:cSld>
-  <p:clrMapOvr>
-    <a:masterClrMapping/>
-  </p:clrMapOvr>
-  <p:transition xmlns:p14="http://schemas.microsoft.com/office/powerpoint/2010/main" spd="med" advClick="1"/>
-</p:sldLayout>
-</file>
-
-<file path=ppt/slideLayouts/slideLayout3.xml><?xml version="1.0" encoding="utf-8"?>
-<p:sldLayout xmlns:a="http://schemas.openxmlformats.org/drawingml/2006/main" xmlns:r="http://schemas.openxmlformats.org/officeDocument/2006/relationships" xmlns:p="http://schemas.openxmlformats.org/presentationml/2006/main" xmlns:m="http://schemas.openxmlformats.org/officeDocument/2006/math" xmlns:a14="http://schemas.microsoft.com/office/drawing/2010/main" type="tx" showMasterSp="1" showMasterPhAnim="1">
-  <p:cSld name="Title &amp; Photo Alt">
-    <p:spTree>
-      <p:nvGrpSpPr>
-        <p:cNvPr id="1" name=""/>
-        <p:cNvGrpSpPr/>
-        <p:nvPr/>
-      </p:nvGrpSpPr>
-      <p:grpSpPr>
-        <a:xfrm>
-          <a:off x="0" y="0"/>
-          <a:ext cx="0" cy="0"/>
-          <a:chOff x="0" y="0"/>
-          <a:chExt cx="0" cy="0"/>
-        </a:xfrm>
-      </p:grpSpPr>
-      <p:sp>
-        <p:nvSpPr>
-          <p:cNvPr id="32" name="910457886_1434x1669.jpg"/>
-          <p:cNvSpPr/>
-          <p:nvPr>
-            <p:ph type="pic" idx="21"/>
-          </p:nvPr>
-        </p:nvSpPr>
-        <p:spPr>
-          <a:xfrm>
-            <a:off x="10972800" y="-203200"/>
-            <a:ext cx="12144837" cy="14135100"/>
-          </a:xfrm>
-          <a:prstGeom prst="rect">
-            <a:avLst/>
-          </a:prstGeom>
-        </p:spPr>
-        <p:txBody>
-          <a:bodyPr lIns="91439" tIns="45719" rIns="91439" bIns="45719">
-            <a:noAutofit/>
-          </a:bodyPr>
-          <a:lstStyle/>
-          <a:p>
-            <a:pPr/>
-          </a:p>
-        </p:txBody>
-      </p:sp>
-      <p:sp>
-        <p:nvSpPr>
-          <p:cNvPr id="33" name="Slide Title"/>
-          <p:cNvSpPr txBox="1"/>
-          <p:nvPr>
-            <p:ph type="title" hasCustomPrompt="1"/>
-          </p:nvPr>
-        </p:nvSpPr>
-        <p:spPr>
-          <a:xfrm>
-            <a:off x="1206500" y="1270000"/>
-            <a:ext cx="9779000" cy="5882273"/>
-          </a:xfrm>
-          <a:prstGeom prst="rect">
-            <a:avLst/>
-          </a:prstGeom>
-        </p:spPr>
-        <p:txBody>
-          <a:bodyPr anchor="b"/>
-          <a:lstStyle/>
-          <a:p>
-            <a:pPr/>
-            <a:r>
-              <a:t>Slide Title</a:t>
-            </a:r>
-          </a:p>
-        </p:txBody>
-      </p:sp>
-      <p:sp>
-        <p:nvSpPr>
-          <p:cNvPr id="34" name="Body Level One…"/>
-          <p:cNvSpPr txBox="1"/>
-          <p:nvPr>
-            <p:ph type="body" sz="quarter" idx="1" hasCustomPrompt="1"/>
-          </p:nvPr>
-        </p:nvSpPr>
-        <p:spPr>
-          <a:xfrm>
-            <a:off x="1206500" y="7060576"/>
-            <a:ext cx="9779000" cy="5385424"/>
-          </a:xfrm>
-          <a:prstGeom prst="rect">
-            <a:avLst/>
-          </a:prstGeom>
-        </p:spPr>
-        <p:txBody>
-          <a:bodyPr/>
-          <a:lstStyle>
-            <a:lvl1pPr marL="0" indent="0" defTabSz="825500">
-              <a:lnSpc>
-                <a:spcPct val="100000"/>
-              </a:lnSpc>
-              <a:spcBef>
-                <a:spcPts val="0"/>
-              </a:spcBef>
-              <a:buSzTx/>
-              <a:buNone/>
-              <a:defRPr b="1" sz="5500"/>
-            </a:lvl1pPr>
-            <a:lvl2pPr marL="0" indent="0" defTabSz="825500">
-              <a:lnSpc>
-                <a:spcPct val="100000"/>
-              </a:lnSpc>
-              <a:spcBef>
-                <a:spcPts val="0"/>
-              </a:spcBef>
-              <a:buSzTx/>
-              <a:buNone/>
-              <a:defRPr b="1" sz="5500"/>
-            </a:lvl2pPr>
-            <a:lvl3pPr marL="0" indent="0" defTabSz="825500">
-              <a:lnSpc>
-                <a:spcPct val="100000"/>
-              </a:lnSpc>
-              <a:spcBef>
-                <a:spcPts val="0"/>
-              </a:spcBef>
-              <a:buSzTx/>
-              <a:buNone/>
-              <a:defRPr b="1" sz="5500"/>
-            </a:lvl3pPr>
-            <a:lvl4pPr marL="0" indent="0" defTabSz="825500">
-              <a:lnSpc>
-                <a:spcPct val="100000"/>
-              </a:lnSpc>
-              <a:spcBef>
-                <a:spcPts val="0"/>
-              </a:spcBef>
-              <a:buSzTx/>
-              <a:buNone/>
-              <a:defRPr b="1" sz="5500"/>
-            </a:lvl4pPr>
-            <a:lvl5pPr marL="0" indent="0" defTabSz="825500">
-              <a:lnSpc>
-                <a:spcPct val="100000"/>
-              </a:lnSpc>
-              <a:spcBef>
-                <a:spcPts val="0"/>
-              </a:spcBef>
-              <a:buSzTx/>
-              <a:buNone/>
-              <a:defRPr b="1" sz="5500"/>
-            </a:lvl5pPr>
-          </a:lstStyle>
-          <a:p>
-            <a:pPr/>
-            <a:r>
               <a:t>Slide Subtitle</a:t>
             </a:r>
           </a:p>
@@ -2861,8 +2758,8 @@
         </p:nvSpPr>
         <p:spPr>
           <a:xfrm>
-            <a:off x="12001499" y="13085233"/>
-            <a:ext cx="368505" cy="374600"/>
+            <a:off x="12001500" y="13085233"/>
+            <a:ext cx="368504" cy="374600"/>
           </a:xfrm>
           <a:prstGeom prst="rect">
             <a:avLst/>
@@ -2912,6 +2809,10 @@
           </p:nvPr>
         </p:nvSpPr>
         <p:spPr>
+          <a:xfrm>
+            <a:off x="1206500" y="1079500"/>
+            <a:ext cx="21971000" cy="1433164"/>
+          </a:xfrm>
           <a:prstGeom prst="rect">
             <a:avLst/>
           </a:prstGeom>
@@ -2929,23 +2830,23 @@
       </p:sp>
       <p:sp>
         <p:nvSpPr>
-          <p:cNvPr id="43" name="Slide Subtitle"/>
+          <p:cNvPr id="43" name="Body Level One…"/>
           <p:cNvSpPr txBox="1"/>
           <p:nvPr>
-            <p:ph type="body" sz="quarter" idx="21" hasCustomPrompt="1"/>
+            <p:ph type="body" sz="quarter" idx="1" hasCustomPrompt="1"/>
           </p:nvPr>
         </p:nvSpPr>
         <p:spPr>
           <a:xfrm>
-            <a:off x="1206500" y="2372962"/>
-            <a:ext cx="21971000" cy="934780"/>
+            <a:off x="1206500" y="2372961"/>
+            <a:ext cx="21971000" cy="934781"/>
           </a:xfrm>
           <a:prstGeom prst="rect">
             <a:avLst/>
           </a:prstGeom>
         </p:spPr>
         <p:txBody>
-          <a:bodyPr lIns="45719" tIns="45719" rIns="45719" bIns="45719"/>
+          <a:bodyPr lIns="45718" tIns="45718" rIns="45718" bIns="45718" numCol="1" spcCol="38100"/>
           <a:lstStyle>
             <a:lvl1pPr marL="0" indent="0" defTabSz="825500">
               <a:lnSpc>
@@ -2958,11 +2859,71 @@
               <a:buNone/>
               <a:defRPr b="1" sz="5500"/>
             </a:lvl1pPr>
+            <a:lvl2pPr marL="1308100" indent="-698500" defTabSz="825500">
+              <a:lnSpc>
+                <a:spcPct val="100000"/>
+              </a:lnSpc>
+              <a:spcBef>
+                <a:spcPts val="0"/>
+              </a:spcBef>
+              <a:defRPr b="1" sz="5500"/>
+            </a:lvl2pPr>
+            <a:lvl3pPr marL="1917700" indent="-698500" defTabSz="825500">
+              <a:lnSpc>
+                <a:spcPct val="100000"/>
+              </a:lnSpc>
+              <a:spcBef>
+                <a:spcPts val="0"/>
+              </a:spcBef>
+              <a:defRPr b="1" sz="5500"/>
+            </a:lvl3pPr>
+            <a:lvl4pPr marL="2527300" indent="-698500" defTabSz="825500">
+              <a:lnSpc>
+                <a:spcPct val="100000"/>
+              </a:lnSpc>
+              <a:spcBef>
+                <a:spcPts val="0"/>
+              </a:spcBef>
+              <a:defRPr b="1" sz="5500"/>
+            </a:lvl4pPr>
+            <a:lvl5pPr marL="3136900" indent="-698500" defTabSz="825500">
+              <a:lnSpc>
+                <a:spcPct val="100000"/>
+              </a:lnSpc>
+              <a:spcBef>
+                <a:spcPts val="0"/>
+              </a:spcBef>
+              <a:defRPr b="1" sz="5500"/>
+            </a:lvl5pPr>
           </a:lstStyle>
           <a:p>
             <a:pPr/>
             <a:r>
               <a:t>Slide Subtitle</a:t>
+            </a:r>
+          </a:p>
+          <a:p>
+            <a:pPr lvl="1"/>
+            <a:r>
+              <a:t/>
+            </a:r>
+          </a:p>
+          <a:p>
+            <a:pPr lvl="2"/>
+            <a:r>
+              <a:t/>
+            </a:r>
+          </a:p>
+          <a:p>
+            <a:pPr lvl="3"/>
+            <a:r>
+              <a:t/>
+            </a:r>
+          </a:p>
+          <a:p>
+            <a:pPr lvl="4"/>
+            <a:r>
+              <a:t/>
             </a:r>
           </a:p>
         </p:txBody>
@@ -2972,45 +2933,25 @@
           <p:cNvPr id="44" name="Body Level One…"/>
           <p:cNvSpPr txBox="1"/>
           <p:nvPr>
-            <p:ph type="body" idx="1" hasCustomPrompt="1"/>
-          </p:nvPr>
-        </p:nvSpPr>
-        <p:spPr>
-          <a:prstGeom prst="rect">
-            <a:avLst/>
-          </a:prstGeom>
-        </p:spPr>
-        <p:txBody>
-          <a:bodyPr/>
+            <p:ph type="body" idx="21" hasCustomPrompt="1"/>
+          </p:nvPr>
+        </p:nvSpPr>
+        <p:spPr>
+          <a:xfrm>
+            <a:off x="1206500" y="4248503"/>
+            <a:ext cx="21971000" cy="8256014"/>
+          </a:xfrm>
+          <a:prstGeom prst="rect">
+            <a:avLst/>
+          </a:prstGeom>
+        </p:spPr>
+        <p:txBody>
+          <a:bodyPr numCol="1" spcCol="38100"/>
           <a:lstStyle/>
           <a:p>
             <a:pPr/>
             <a:r>
               <a:t>Slide bullet text</a:t>
-            </a:r>
-          </a:p>
-          <a:p>
-            <a:pPr lvl="1"/>
-            <a:r>
-              <a:t/>
-            </a:r>
-          </a:p>
-          <a:p>
-            <a:pPr lvl="2"/>
-            <a:r>
-              <a:t/>
-            </a:r>
-          </a:p>
-          <a:p>
-            <a:pPr lvl="3"/>
-            <a:r>
-              <a:t/>
-            </a:r>
-          </a:p>
-          <a:p>
-            <a:pPr lvl="4"/>
-            <a:r>
-              <a:t/>
             </a:r>
           </a:p>
         </p:txBody>
@@ -3077,7 +3018,7 @@
           </a:prstGeom>
         </p:spPr>
         <p:txBody>
-          <a:bodyPr numCol="2" spcCol="1098550"/>
+          <a:bodyPr/>
           <a:lstStyle/>
           <a:p>
             <a:pPr/>
@@ -3161,23 +3102,23 @@
       </p:grpSpPr>
       <p:sp>
         <p:nvSpPr>
-          <p:cNvPr id="60" name="Slide Subtitle"/>
+          <p:cNvPr id="60" name="Body Level One…"/>
           <p:cNvSpPr txBox="1"/>
           <p:nvPr>
-            <p:ph type="body" sz="quarter" idx="21" hasCustomPrompt="1"/>
+            <p:ph type="body" sz="quarter" idx="1" hasCustomPrompt="1"/>
           </p:nvPr>
         </p:nvSpPr>
         <p:spPr>
           <a:xfrm>
-            <a:off x="1206500" y="2372962"/>
-            <a:ext cx="9779000" cy="934780"/>
+            <a:off x="1206500" y="2372961"/>
+            <a:ext cx="9779000" cy="934781"/>
           </a:xfrm>
           <a:prstGeom prst="rect">
             <a:avLst/>
           </a:prstGeom>
         </p:spPr>
         <p:txBody>
-          <a:bodyPr lIns="45719" tIns="45719" rIns="45719" bIns="45719"/>
+          <a:bodyPr lIns="45718" tIns="45718" rIns="45718" bIns="45718" numCol="1" spcCol="38100"/>
           <a:lstStyle>
             <a:lvl1pPr marL="0" indent="0" defTabSz="825500">
               <a:lnSpc>
@@ -3190,11 +3131,71 @@
               <a:buNone/>
               <a:defRPr b="1" sz="5500"/>
             </a:lvl1pPr>
+            <a:lvl2pPr marL="1308100" indent="-698500" defTabSz="825500">
+              <a:lnSpc>
+                <a:spcPct val="100000"/>
+              </a:lnSpc>
+              <a:spcBef>
+                <a:spcPts val="0"/>
+              </a:spcBef>
+              <a:defRPr b="1" sz="5500"/>
+            </a:lvl2pPr>
+            <a:lvl3pPr marL="1917700" indent="-698500" defTabSz="825500">
+              <a:lnSpc>
+                <a:spcPct val="100000"/>
+              </a:lnSpc>
+              <a:spcBef>
+                <a:spcPts val="0"/>
+              </a:spcBef>
+              <a:defRPr b="1" sz="5500"/>
+            </a:lvl3pPr>
+            <a:lvl4pPr marL="2527300" indent="-698500" defTabSz="825500">
+              <a:lnSpc>
+                <a:spcPct val="100000"/>
+              </a:lnSpc>
+              <a:spcBef>
+                <a:spcPts val="0"/>
+              </a:spcBef>
+              <a:defRPr b="1" sz="5500"/>
+            </a:lvl4pPr>
+            <a:lvl5pPr marL="3136900" indent="-698500" defTabSz="825500">
+              <a:lnSpc>
+                <a:spcPct val="100000"/>
+              </a:lnSpc>
+              <a:spcBef>
+                <a:spcPts val="0"/>
+              </a:spcBef>
+              <a:defRPr b="1" sz="5500"/>
+            </a:lvl5pPr>
           </a:lstStyle>
           <a:p>
             <a:pPr/>
             <a:r>
               <a:t>Slide Subtitle</a:t>
+            </a:r>
+          </a:p>
+          <a:p>
+            <a:pPr lvl="1"/>
+            <a:r>
+              <a:t/>
+            </a:r>
+          </a:p>
+          <a:p>
+            <a:pPr lvl="2"/>
+            <a:r>
+              <a:t/>
+            </a:r>
+          </a:p>
+          <a:p>
+            <a:pPr lvl="3"/>
+            <a:r>
+              <a:t/>
+            </a:r>
+          </a:p>
+          <a:p>
+            <a:pPr lvl="4"/>
+            <a:r>
+              <a:t/>
             </a:r>
           </a:p>
         </p:txBody>
@@ -3204,49 +3205,25 @@
           <p:cNvPr id="61" name="Body Level One…"/>
           <p:cNvSpPr txBox="1"/>
           <p:nvPr>
-            <p:ph type="body" sz="half" idx="1" hasCustomPrompt="1"/>
+            <p:ph type="body" sz="half" idx="21" hasCustomPrompt="1"/>
           </p:nvPr>
         </p:nvSpPr>
         <p:spPr>
           <a:xfrm>
-            <a:off x="1206500" y="4248504"/>
-            <a:ext cx="9779000" cy="8256630"/>
+            <a:off x="1206500" y="4248503"/>
+            <a:ext cx="9779000" cy="8256631"/>
           </a:xfrm>
           <a:prstGeom prst="rect">
             <a:avLst/>
           </a:prstGeom>
         </p:spPr>
         <p:txBody>
-          <a:bodyPr/>
+          <a:bodyPr numCol="1" spcCol="38100"/>
           <a:lstStyle/>
           <a:p>
             <a:pPr/>
             <a:r>
               <a:t>Slide bullet text</a:t>
-            </a:r>
-          </a:p>
-          <a:p>
-            <a:pPr lvl="1"/>
-            <a:r>
-              <a:t/>
-            </a:r>
-          </a:p>
-          <a:p>
-            <a:pPr lvl="2"/>
-            <a:r>
-              <a:t/>
-            </a:r>
-          </a:p>
-          <a:p>
-            <a:pPr lvl="3"/>
-            <a:r>
-              <a:t/>
-            </a:r>
-          </a:p>
-          <a:p>
-            <a:pPr lvl="4"/>
-            <a:r>
-              <a:t/>
             </a:r>
           </a:p>
         </p:txBody>
@@ -3262,14 +3239,14 @@
         <p:spPr>
           <a:xfrm>
             <a:off x="12192000" y="-407266"/>
-            <a:ext cx="10916874" cy="14555832"/>
+            <a:ext cx="10916874" cy="14555833"/>
           </a:xfrm>
           <a:prstGeom prst="rect">
             <a:avLst/>
           </a:prstGeom>
         </p:spPr>
         <p:txBody>
-          <a:bodyPr lIns="91439" tIns="45719" rIns="91439" bIns="45719">
+          <a:bodyPr lIns="91439" tIns="45719" rIns="91439" bIns="45719" numCol="1" spcCol="38100">
             <a:noAutofit/>
           </a:bodyPr>
           <a:lstStyle/>
@@ -3365,7 +3342,7 @@
         <p:spPr>
           <a:xfrm>
             <a:off x="1206496" y="4533900"/>
-            <a:ext cx="21971004" cy="4648200"/>
+            <a:ext cx="21971005" cy="4648200"/>
           </a:xfrm>
           <a:prstGeom prst="rect">
             <a:avLst/>
@@ -3401,8 +3378,8 @@
         </p:nvSpPr>
         <p:spPr>
           <a:xfrm>
-            <a:off x="12001499" y="13085233"/>
-            <a:ext cx="368505" cy="374600"/>
+            <a:off x="12001500" y="13085233"/>
+            <a:ext cx="368504" cy="374600"/>
           </a:xfrm>
           <a:prstGeom prst="rect">
             <a:avLst/>
@@ -3454,7 +3431,7 @@
         <p:spPr>
           <a:xfrm>
             <a:off x="1206500" y="1079500"/>
-            <a:ext cx="21971000" cy="1434949"/>
+            <a:ext cx="21971000" cy="1434950"/>
           </a:xfrm>
           <a:prstGeom prst="rect">
             <a:avLst/>
@@ -3473,23 +3450,23 @@
       </p:sp>
       <p:sp>
         <p:nvSpPr>
-          <p:cNvPr id="80" name="Slide Subtitle"/>
+          <p:cNvPr id="80" name="Body Level One…"/>
           <p:cNvSpPr txBox="1"/>
           <p:nvPr>
-            <p:ph type="body" sz="quarter" idx="21" hasCustomPrompt="1"/>
+            <p:ph type="body" sz="quarter" idx="1" hasCustomPrompt="1"/>
           </p:nvPr>
         </p:nvSpPr>
         <p:spPr>
           <a:xfrm>
-            <a:off x="1206500" y="2372962"/>
-            <a:ext cx="21971000" cy="934780"/>
+            <a:off x="1206500" y="2372961"/>
+            <a:ext cx="21971000" cy="934781"/>
           </a:xfrm>
           <a:prstGeom prst="rect">
             <a:avLst/>
           </a:prstGeom>
         </p:spPr>
         <p:txBody>
-          <a:bodyPr lIns="45719" tIns="45719" rIns="45719" bIns="45719"/>
+          <a:bodyPr lIns="45718" tIns="45718" rIns="45718" bIns="45718" numCol="1" spcCol="38100"/>
           <a:lstStyle>
             <a:lvl1pPr marL="0" indent="0" defTabSz="825500">
               <a:lnSpc>
@@ -3502,11 +3479,71 @@
               <a:buNone/>
               <a:defRPr b="1" sz="5500"/>
             </a:lvl1pPr>
+            <a:lvl2pPr marL="1308100" indent="-698500" defTabSz="825500">
+              <a:lnSpc>
+                <a:spcPct val="100000"/>
+              </a:lnSpc>
+              <a:spcBef>
+                <a:spcPts val="0"/>
+              </a:spcBef>
+              <a:defRPr b="1" sz="5500"/>
+            </a:lvl2pPr>
+            <a:lvl3pPr marL="1917700" indent="-698500" defTabSz="825500">
+              <a:lnSpc>
+                <a:spcPct val="100000"/>
+              </a:lnSpc>
+              <a:spcBef>
+                <a:spcPts val="0"/>
+              </a:spcBef>
+              <a:defRPr b="1" sz="5500"/>
+            </a:lvl3pPr>
+            <a:lvl4pPr marL="2527300" indent="-698500" defTabSz="825500">
+              <a:lnSpc>
+                <a:spcPct val="100000"/>
+              </a:lnSpc>
+              <a:spcBef>
+                <a:spcPts val="0"/>
+              </a:spcBef>
+              <a:defRPr b="1" sz="5500"/>
+            </a:lvl4pPr>
+            <a:lvl5pPr marL="3136900" indent="-698500" defTabSz="825500">
+              <a:lnSpc>
+                <a:spcPct val="100000"/>
+              </a:lnSpc>
+              <a:spcBef>
+                <a:spcPts val="0"/>
+              </a:spcBef>
+              <a:defRPr b="1" sz="5500"/>
+            </a:lvl5pPr>
           </a:lstStyle>
           <a:p>
             <a:pPr/>
             <a:r>
               <a:t>Slide Subtitle</a:t>
+            </a:r>
+          </a:p>
+          <a:p>
+            <a:pPr lvl="1"/>
+            <a:r>
+              <a:t/>
+            </a:r>
+          </a:p>
+          <a:p>
+            <a:pPr lvl="2"/>
+            <a:r>
+              <a:t/>
+            </a:r>
+          </a:p>
+          <a:p>
+            <a:pPr lvl="3"/>
+            <a:r>
+              <a:t/>
+            </a:r>
+          </a:p>
+          <a:p>
+            <a:pPr lvl="4"/>
+            <a:r>
+              <a:t/>
             </a:r>
           </a:p>
         </p:txBody>
@@ -3589,23 +3626,23 @@
       </p:sp>
       <p:sp>
         <p:nvSpPr>
-          <p:cNvPr id="89" name="Agenda Subtitle"/>
+          <p:cNvPr id="89" name="Body Level One…"/>
           <p:cNvSpPr txBox="1"/>
           <p:nvPr>
-            <p:ph type="body" sz="quarter" idx="21" hasCustomPrompt="1"/>
+            <p:ph type="body" sz="quarter" idx="1" hasCustomPrompt="1"/>
           </p:nvPr>
         </p:nvSpPr>
         <p:spPr>
           <a:xfrm>
-            <a:off x="1206500" y="2372962"/>
-            <a:ext cx="21971000" cy="934780"/>
+            <a:off x="1206500" y="2372961"/>
+            <a:ext cx="21971000" cy="934781"/>
           </a:xfrm>
           <a:prstGeom prst="rect">
             <a:avLst/>
           </a:prstGeom>
         </p:spPr>
         <p:txBody>
-          <a:bodyPr lIns="45719" tIns="45719" rIns="45719" bIns="45719"/>
+          <a:bodyPr lIns="45718" tIns="45718" rIns="45718" bIns="45718" numCol="1" spcCol="38100"/>
           <a:lstStyle>
             <a:lvl1pPr marL="0" indent="0" defTabSz="825500">
               <a:lnSpc>
@@ -3618,11 +3655,71 @@
               <a:buNone/>
               <a:defRPr b="1" sz="5500"/>
             </a:lvl1pPr>
+            <a:lvl2pPr marL="1308100" indent="-698500" defTabSz="825500">
+              <a:lnSpc>
+                <a:spcPct val="100000"/>
+              </a:lnSpc>
+              <a:spcBef>
+                <a:spcPts val="0"/>
+              </a:spcBef>
+              <a:defRPr b="1" sz="5500"/>
+            </a:lvl2pPr>
+            <a:lvl3pPr marL="1917700" indent="-698500" defTabSz="825500">
+              <a:lnSpc>
+                <a:spcPct val="100000"/>
+              </a:lnSpc>
+              <a:spcBef>
+                <a:spcPts val="0"/>
+              </a:spcBef>
+              <a:defRPr b="1" sz="5500"/>
+            </a:lvl3pPr>
+            <a:lvl4pPr marL="2527300" indent="-698500" defTabSz="825500">
+              <a:lnSpc>
+                <a:spcPct val="100000"/>
+              </a:lnSpc>
+              <a:spcBef>
+                <a:spcPts val="0"/>
+              </a:spcBef>
+              <a:defRPr b="1" sz="5500"/>
+            </a:lvl4pPr>
+            <a:lvl5pPr marL="3136900" indent="-698500" defTabSz="825500">
+              <a:lnSpc>
+                <a:spcPct val="100000"/>
+              </a:lnSpc>
+              <a:spcBef>
+                <a:spcPts val="0"/>
+              </a:spcBef>
+              <a:defRPr b="1" sz="5500"/>
+            </a:lvl5pPr>
           </a:lstStyle>
           <a:p>
             <a:pPr/>
             <a:r>
               <a:t>Agenda Subtitle</a:t>
+            </a:r>
+          </a:p>
+          <a:p>
+            <a:pPr lvl="1"/>
+            <a:r>
+              <a:t/>
+            </a:r>
+          </a:p>
+          <a:p>
+            <a:pPr lvl="2"/>
+            <a:r>
+              <a:t/>
+            </a:r>
+          </a:p>
+          <a:p>
+            <a:pPr lvl="3"/>
+            <a:r>
+              <a:t/>
+            </a:r>
+          </a:p>
+          <a:p>
+            <a:pPr lvl="4"/>
+            <a:r>
+              <a:t/>
             </a:r>
           </a:p>
         </p:txBody>
@@ -3632,16 +3729,20 @@
           <p:cNvPr id="90" name="Body Level One…"/>
           <p:cNvSpPr txBox="1"/>
           <p:nvPr>
-            <p:ph type="body" idx="1" hasCustomPrompt="1"/>
-          </p:nvPr>
-        </p:nvSpPr>
-        <p:spPr>
-          <a:prstGeom prst="rect">
-            <a:avLst/>
-          </a:prstGeom>
-        </p:spPr>
-        <p:txBody>
-          <a:bodyPr/>
+            <p:ph type="body" idx="21" hasCustomPrompt="1"/>
+          </p:nvPr>
+        </p:nvSpPr>
+        <p:spPr>
+          <a:xfrm>
+            <a:off x="1206500" y="4248503"/>
+            <a:ext cx="21971000" cy="8256014"/>
+          </a:xfrm>
+          <a:prstGeom prst="rect">
+            <a:avLst/>
+          </a:prstGeom>
+        </p:spPr>
+        <p:txBody>
+          <a:bodyPr numCol="1" spcCol="38100"/>
           <a:lstStyle>
             <a:lvl1pPr marL="0" indent="0" defTabSz="825500">
               <a:lnSpc>
@@ -3652,81 +3753,13 @@
               </a:spcBef>
               <a:buSzTx/>
               <a:buNone/>
-              <a:defRPr spc="-55" sz="5500"/>
+              <a:defRPr spc="-99" sz="5500"/>
             </a:lvl1pPr>
-            <a:lvl2pPr marL="0" indent="0" defTabSz="825500">
-              <a:lnSpc>
-                <a:spcPct val="100000"/>
-              </a:lnSpc>
-              <a:spcBef>
-                <a:spcPts val="1800"/>
-              </a:spcBef>
-              <a:buSzTx/>
-              <a:buNone/>
-              <a:defRPr spc="-55" sz="5500"/>
-            </a:lvl2pPr>
-            <a:lvl3pPr marL="0" indent="0" defTabSz="825500">
-              <a:lnSpc>
-                <a:spcPct val="100000"/>
-              </a:lnSpc>
-              <a:spcBef>
-                <a:spcPts val="1800"/>
-              </a:spcBef>
-              <a:buSzTx/>
-              <a:buNone/>
-              <a:defRPr spc="-55" sz="5500"/>
-            </a:lvl3pPr>
-            <a:lvl4pPr marL="0" indent="0" defTabSz="825500">
-              <a:lnSpc>
-                <a:spcPct val="100000"/>
-              </a:lnSpc>
-              <a:spcBef>
-                <a:spcPts val="1800"/>
-              </a:spcBef>
-              <a:buSzTx/>
-              <a:buNone/>
-              <a:defRPr spc="-55" sz="5500"/>
-            </a:lvl4pPr>
-            <a:lvl5pPr marL="0" indent="0" defTabSz="825500">
-              <a:lnSpc>
-                <a:spcPct val="100000"/>
-              </a:lnSpc>
-              <a:spcBef>
-                <a:spcPts val="1800"/>
-              </a:spcBef>
-              <a:buSzTx/>
-              <a:buNone/>
-              <a:defRPr spc="-55" sz="5500"/>
-            </a:lvl5pPr>
           </a:lstStyle>
           <a:p>
             <a:pPr/>
             <a:r>
               <a:t>Agenda Topics</a:t>
-            </a:r>
-          </a:p>
-          <a:p>
-            <a:pPr lvl="1"/>
-            <a:r>
-              <a:t/>
-            </a:r>
-          </a:p>
-          <a:p>
-            <a:pPr lvl="2"/>
-            <a:r>
-              <a:t/>
-            </a:r>
-          </a:p>
-          <a:p>
-            <a:pPr lvl="3"/>
-            <a:r>
-              <a:t/>
-            </a:r>
-          </a:p>
-          <a:p>
-            <a:pPr lvl="4"/>
-            <a:r>
-              <a:t/>
             </a:r>
           </a:p>
         </p:txBody>
@@ -3788,16 +3821,16 @@
       </p:grpSpPr>
       <p:sp>
         <p:nvSpPr>
-          <p:cNvPr id="2" name="Slide Title"/>
+          <p:cNvPr id="2" name="Body Level One…"/>
           <p:cNvSpPr txBox="1"/>
           <p:nvPr>
-            <p:ph type="title" hasCustomPrompt="1"/>
+            <p:ph type="body" idx="1" hasCustomPrompt="1"/>
           </p:nvPr>
         </p:nvSpPr>
         <p:spPr>
           <a:xfrm>
-            <a:off x="1206500" y="1079500"/>
-            <a:ext cx="21971000" cy="1433163"/>
+            <a:off x="1206500" y="4248503"/>
+            <a:ext cx="21971000" cy="8256014"/>
           </a:xfrm>
           <a:prstGeom prst="rect">
             <a:avLst/>
@@ -3812,30 +3845,54 @@
           </a:extLst>
         </p:spPr>
         <p:txBody>
-          <a:bodyPr lIns="50800" tIns="50800" rIns="50800" bIns="50800">
+          <a:bodyPr lIns="50800" tIns="50800" rIns="50800" bIns="50800" numCol="2" spcCol="1098550">
             <a:normAutofit fontScale="100000" lnSpcReduction="0"/>
           </a:bodyPr>
           <a:lstStyle/>
           <a:p>
             <a:pPr/>
             <a:r>
-              <a:t>Slide Title</a:t>
-            </a:r>
-          </a:p>
-        </p:txBody>
-      </p:sp>
-      <p:sp>
-        <p:nvSpPr>
-          <p:cNvPr id="3" name="Body Level One…"/>
+              <a:t>Slide bullet text</a:t>
+            </a:r>
+          </a:p>
+          <a:p>
+            <a:pPr lvl="1"/>
+            <a:r>
+              <a:t/>
+            </a:r>
+          </a:p>
+          <a:p>
+            <a:pPr lvl="2"/>
+            <a:r>
+              <a:t/>
+            </a:r>
+          </a:p>
+          <a:p>
+            <a:pPr lvl="3"/>
+            <a:r>
+              <a:t/>
+            </a:r>
+          </a:p>
+          <a:p>
+            <a:pPr lvl="4"/>
+            <a:r>
+              <a:t/>
+            </a:r>
+          </a:p>
+        </p:txBody>
+      </p:sp>
+      <p:sp>
+        <p:nvSpPr>
+          <p:cNvPr id="3" name="Title Text"/>
           <p:cNvSpPr txBox="1"/>
           <p:nvPr>
-            <p:ph type="body" idx="1" hasCustomPrompt="1"/>
+            <p:ph type="title"/>
           </p:nvPr>
         </p:nvSpPr>
         <p:spPr>
           <a:xfrm>
-            <a:off x="1206500" y="4248504"/>
-            <a:ext cx="21971000" cy="8256012"/>
+            <a:off x="3653366" y="2743200"/>
+            <a:ext cx="19507201" cy="1505304"/>
           </a:xfrm>
           <a:prstGeom prst="rect">
             <a:avLst/>
@@ -3857,31 +3914,7 @@
           <a:p>
             <a:pPr/>
             <a:r>
-              <a:t>Slide bullet text</a:t>
-            </a:r>
-          </a:p>
-          <a:p>
-            <a:pPr lvl="1"/>
-            <a:r>
-              <a:t/>
-            </a:r>
-          </a:p>
-          <a:p>
-            <a:pPr lvl="2"/>
-            <a:r>
-              <a:t/>
-            </a:r>
-          </a:p>
-          <a:p>
-            <a:pPr lvl="3"/>
-            <a:r>
-              <a:t/>
-            </a:r>
-          </a:p>
-          <a:p>
-            <a:pPr lvl="4"/>
-            <a:r>
-              <a:t/>
+              <a:t>Title Text</a:t>
             </a:r>
           </a:p>
         </p:txBody>
@@ -3896,8 +3929,8 @@
         </p:nvSpPr>
         <p:spPr>
           <a:xfrm>
-            <a:off x="12001499" y="13080999"/>
-            <a:ext cx="368505" cy="374600"/>
+            <a:off x="12001500" y="13080999"/>
+            <a:ext cx="368504" cy="374600"/>
           </a:xfrm>
           <a:prstGeom prst="rect">
             <a:avLst/>
@@ -3950,7 +3983,7 @@
   <p:transition xmlns:p14="http://schemas.microsoft.com/office/powerpoint/2010/main" spd="med" advClick="1"/>
   <p:txStyles>
     <p:titleStyle>
-      <a:lvl1pPr marL="0" marR="0" indent="0" algn="l" defTabSz="2438338" rtl="0" latinLnBrk="0">
+      <a:lvl1pPr marL="0" marR="0" indent="0" algn="l" defTabSz="2438337" rtl="0" latinLnBrk="0">
         <a:lnSpc>
           <a:spcPct val="80000"/>
         </a:lnSpc>
@@ -3976,7 +4009,7 @@
           <a:sym typeface="Helvetica Neue"/>
         </a:defRPr>
       </a:lvl1pPr>
-      <a:lvl2pPr marL="0" marR="0" indent="0" algn="l" defTabSz="2438338" rtl="0" latinLnBrk="0">
+      <a:lvl2pPr marL="0" marR="0" indent="0" algn="l" defTabSz="2438337" rtl="0" latinLnBrk="0">
         <a:lnSpc>
           <a:spcPct val="80000"/>
         </a:lnSpc>
@@ -4002,7 +4035,7 @@
           <a:sym typeface="Helvetica Neue"/>
         </a:defRPr>
       </a:lvl2pPr>
-      <a:lvl3pPr marL="0" marR="0" indent="0" algn="l" defTabSz="2438338" rtl="0" latinLnBrk="0">
+      <a:lvl3pPr marL="0" marR="0" indent="0" algn="l" defTabSz="2438337" rtl="0" latinLnBrk="0">
         <a:lnSpc>
           <a:spcPct val="80000"/>
         </a:lnSpc>
@@ -4028,7 +4061,7 @@
           <a:sym typeface="Helvetica Neue"/>
         </a:defRPr>
       </a:lvl3pPr>
-      <a:lvl4pPr marL="0" marR="0" indent="0" algn="l" defTabSz="2438338" rtl="0" latinLnBrk="0">
+      <a:lvl4pPr marL="0" marR="0" indent="0" algn="l" defTabSz="2438337" rtl="0" latinLnBrk="0">
         <a:lnSpc>
           <a:spcPct val="80000"/>
         </a:lnSpc>
@@ -4054,7 +4087,7 @@
           <a:sym typeface="Helvetica Neue"/>
         </a:defRPr>
       </a:lvl4pPr>
-      <a:lvl5pPr marL="0" marR="0" indent="0" algn="l" defTabSz="2438338" rtl="0" latinLnBrk="0">
+      <a:lvl5pPr marL="0" marR="0" indent="0" algn="l" defTabSz="2438337" rtl="0" latinLnBrk="0">
         <a:lnSpc>
           <a:spcPct val="80000"/>
         </a:lnSpc>
@@ -4080,7 +4113,7 @@
           <a:sym typeface="Helvetica Neue"/>
         </a:defRPr>
       </a:lvl5pPr>
-      <a:lvl6pPr marL="0" marR="0" indent="0" algn="l" defTabSz="2438338" rtl="0" latinLnBrk="0">
+      <a:lvl6pPr marL="0" marR="0" indent="0" algn="l" defTabSz="2438337" rtl="0" latinLnBrk="0">
         <a:lnSpc>
           <a:spcPct val="80000"/>
         </a:lnSpc>
@@ -4106,7 +4139,7 @@
           <a:sym typeface="Helvetica Neue"/>
         </a:defRPr>
       </a:lvl6pPr>
-      <a:lvl7pPr marL="0" marR="0" indent="0" algn="l" defTabSz="2438338" rtl="0" latinLnBrk="0">
+      <a:lvl7pPr marL="0" marR="0" indent="0" algn="l" defTabSz="2438337" rtl="0" latinLnBrk="0">
         <a:lnSpc>
           <a:spcPct val="80000"/>
         </a:lnSpc>
@@ -4132,7 +4165,7 @@
           <a:sym typeface="Helvetica Neue"/>
         </a:defRPr>
       </a:lvl7pPr>
-      <a:lvl8pPr marL="0" marR="0" indent="0" algn="l" defTabSz="2438338" rtl="0" latinLnBrk="0">
+      <a:lvl8pPr marL="0" marR="0" indent="0" algn="l" defTabSz="2438337" rtl="0" latinLnBrk="0">
         <a:lnSpc>
           <a:spcPct val="80000"/>
         </a:lnSpc>
@@ -4158,7 +4191,7 @@
           <a:sym typeface="Helvetica Neue"/>
         </a:defRPr>
       </a:lvl8pPr>
-      <a:lvl9pPr marL="0" marR="0" indent="0" algn="l" defTabSz="2438338" rtl="0" latinLnBrk="0">
+      <a:lvl9pPr marL="0" marR="0" indent="0" algn="l" defTabSz="2438337" rtl="0" latinLnBrk="0">
         <a:lnSpc>
           <a:spcPct val="80000"/>
         </a:lnSpc>
@@ -4186,7 +4219,7 @@
       </a:lvl9pPr>
     </p:titleStyle>
     <p:bodyStyle>
-      <a:lvl1pPr marL="609600" marR="0" indent="-609600" algn="l" defTabSz="2438338" rtl="0" latinLnBrk="0">
+      <a:lvl1pPr marL="609600" marR="0" indent="-609600" algn="l" defTabSz="2438337" rtl="0" latinLnBrk="0">
         <a:lnSpc>
           <a:spcPct val="90000"/>
         </a:lnSpc>
@@ -4212,7 +4245,7 @@
           <a:sym typeface="Helvetica Neue"/>
         </a:defRPr>
       </a:lvl1pPr>
-      <a:lvl2pPr marL="1219200" marR="0" indent="-609600" algn="l" defTabSz="2438338" rtl="0" latinLnBrk="0">
+      <a:lvl2pPr marL="1219200" marR="0" indent="-609600" algn="l" defTabSz="2438337" rtl="0" latinLnBrk="0">
         <a:lnSpc>
           <a:spcPct val="90000"/>
         </a:lnSpc>
@@ -4238,7 +4271,7 @@
           <a:sym typeface="Helvetica Neue"/>
         </a:defRPr>
       </a:lvl2pPr>
-      <a:lvl3pPr marL="1828800" marR="0" indent="-609600" algn="l" defTabSz="2438338" rtl="0" latinLnBrk="0">
+      <a:lvl3pPr marL="1828800" marR="0" indent="-609600" algn="l" defTabSz="2438337" rtl="0" latinLnBrk="0">
         <a:lnSpc>
           <a:spcPct val="90000"/>
         </a:lnSpc>
@@ -4264,7 +4297,7 @@
           <a:sym typeface="Helvetica Neue"/>
         </a:defRPr>
       </a:lvl3pPr>
-      <a:lvl4pPr marL="2438400" marR="0" indent="-609600" algn="l" defTabSz="2438338" rtl="0" latinLnBrk="0">
+      <a:lvl4pPr marL="2438400" marR="0" indent="-609600" algn="l" defTabSz="2438337" rtl="0" latinLnBrk="0">
         <a:lnSpc>
           <a:spcPct val="90000"/>
         </a:lnSpc>
@@ -4290,7 +4323,7 @@
           <a:sym typeface="Helvetica Neue"/>
         </a:defRPr>
       </a:lvl4pPr>
-      <a:lvl5pPr marL="3048000" marR="0" indent="-609600" algn="l" defTabSz="2438338" rtl="0" latinLnBrk="0">
+      <a:lvl5pPr marL="3048000" marR="0" indent="-609600" algn="l" defTabSz="2438337" rtl="0" latinLnBrk="0">
         <a:lnSpc>
           <a:spcPct val="90000"/>
         </a:lnSpc>
@@ -4316,7 +4349,7 @@
           <a:sym typeface="Helvetica Neue"/>
         </a:defRPr>
       </a:lvl5pPr>
-      <a:lvl6pPr marL="3657600" marR="0" indent="-609600" algn="l" defTabSz="2438338" rtl="0" latinLnBrk="0">
+      <a:lvl6pPr marL="3657600" marR="0" indent="-609600" algn="l" defTabSz="2438337" rtl="0" latinLnBrk="0">
         <a:lnSpc>
           <a:spcPct val="90000"/>
         </a:lnSpc>
@@ -4342,7 +4375,7 @@
           <a:sym typeface="Helvetica Neue"/>
         </a:defRPr>
       </a:lvl6pPr>
-      <a:lvl7pPr marL="4267200" marR="0" indent="-609600" algn="l" defTabSz="2438338" rtl="0" latinLnBrk="0">
+      <a:lvl7pPr marL="4267200" marR="0" indent="-609600" algn="l" defTabSz="2438337" rtl="0" latinLnBrk="0">
         <a:lnSpc>
           <a:spcPct val="90000"/>
         </a:lnSpc>
@@ -4368,7 +4401,7 @@
           <a:sym typeface="Helvetica Neue"/>
         </a:defRPr>
       </a:lvl7pPr>
-      <a:lvl8pPr marL="4876800" marR="0" indent="-609600" algn="l" defTabSz="2438338" rtl="0" latinLnBrk="0">
+      <a:lvl8pPr marL="4876800" marR="0" indent="-609600" algn="l" defTabSz="2438337" rtl="0" latinLnBrk="0">
         <a:lnSpc>
           <a:spcPct val="90000"/>
         </a:lnSpc>
@@ -4394,7 +4427,7 @@
           <a:sym typeface="Helvetica Neue"/>
         </a:defRPr>
       </a:lvl8pPr>
-      <a:lvl9pPr marL="5486400" marR="0" indent="-609600" algn="l" defTabSz="2438338" rtl="0" latinLnBrk="0">
+      <a:lvl9pPr marL="5486400" marR="0" indent="-609600" algn="l" defTabSz="2438337" rtl="0" latinLnBrk="0">
         <a:lnSpc>
           <a:spcPct val="90000"/>
         </a:lnSpc>
@@ -4683,13 +4716,173 @@
           <p:cNvPr id="151" name="by Angel, Chris &amp; Meek, 2022"/>
           <p:cNvSpPr txBox="1"/>
           <p:nvPr>
-            <p:ph type="body" idx="21"/>
-          </p:nvPr>
-        </p:nvSpPr>
-        <p:spPr>
-          <a:prstGeom prst="rect">
-            <a:avLst/>
-          </a:prstGeom>
+            <p:ph type="body" sz="quarter" idx="1"/>
+          </p:nvPr>
+        </p:nvSpPr>
+        <p:spPr>
+          <a:xfrm>
+            <a:off x="1201341" y="11859862"/>
+            <a:ext cx="21971002" cy="905823"/>
+          </a:xfrm>
+          <a:prstGeom prst="rect">
+            <a:avLst/>
+          </a:prstGeom>
+        </p:spPr>
+        <p:txBody>
+          <a:bodyPr/>
+          <a:lstStyle/>
+          <a:p>
+            <a:pPr defTabSz="182880">
+              <a:spcBef>
+                <a:spcPts val="400"/>
+              </a:spcBef>
+              <a:defRPr b="0" sz="3360"/>
+            </a:pPr>
+            <a:r>
+              <a:rPr>
+                <a:latin typeface="Helvetica Neue Light"/>
+                <a:ea typeface="Helvetica Neue Light"/>
+                <a:cs typeface="Helvetica Neue Light"/>
+                <a:sym typeface="Helvetica Neue Light"/>
+              </a:rPr>
+              <a:t>by Github users /</a:t>
+            </a:r>
+            <a:r>
+              <a:rPr u="sng">
+                <a:solidFill>
+                  <a:srgbClr val="0000FF"/>
+                </a:solidFill>
+                <a:uFill>
+                  <a:solidFill>
+                    <a:srgbClr val="0000FF"/>
+                  </a:solidFill>
+                </a:uFill>
+                <a:hlinkClick r:id="rId3" invalidUrl="" action="" tgtFrame="" tooltip="" history="1" highlightClick="0" endSnd="0"/>
+              </a:rPr>
+              <a:t>@dockingbay24</a:t>
+            </a:r>
+            <a:r>
+              <a:rPr>
+                <a:latin typeface="Helvetica Neue Light"/>
+                <a:ea typeface="Helvetica Neue Light"/>
+                <a:cs typeface="Helvetica Neue Light"/>
+                <a:sym typeface="Helvetica Neue Light"/>
+              </a:rPr>
+              <a:t> </a:t>
+            </a:r>
+            <a:r>
+              <a:rPr u="sng">
+                <a:solidFill>
+                  <a:srgbClr val="0000FF"/>
+                </a:solidFill>
+                <a:uFill>
+                  <a:solidFill>
+                    <a:srgbClr val="0000FF"/>
+                  </a:solidFill>
+                </a:uFill>
+                <a:hlinkClick r:id="rId4" invalidUrl="" action="" tgtFrame="" tooltip="" history="1" highlightClick="0" endSnd="0"/>
+              </a:rPr>
+              <a:t>/@angel-estrada7</a:t>
+            </a:r>
+            <a:r>
+              <a:rPr>
+                <a:latin typeface="Helvetica Neue Light"/>
+                <a:ea typeface="Helvetica Neue Light"/>
+                <a:cs typeface="Helvetica Neue Light"/>
+                <a:sym typeface="Helvetica Neue Light"/>
+              </a:rPr>
+              <a:t> and </a:t>
+            </a:r>
+            <a:r>
+              <a:rPr u="sng">
+                <a:solidFill>
+                  <a:srgbClr val="0000FF"/>
+                </a:solidFill>
+                <a:uFill>
+                  <a:solidFill>
+                    <a:srgbClr val="0000FF"/>
+                  </a:solidFill>
+                </a:uFill>
+                <a:hlinkClick r:id="rId5" invalidUrl="" action="" tgtFrame="" tooltip="" history="1" highlightClick="0" endSnd="0"/>
+              </a:rPr>
+              <a:t>/@mmsaki</a:t>
+            </a:r>
+            <a:r>
+              <a:rPr>
+                <a:latin typeface="Helvetica Neue Light"/>
+                <a:ea typeface="Helvetica Neue Light"/>
+                <a:cs typeface="Helvetica Neue Light"/>
+                <a:sym typeface="Helvetica Neue Light"/>
+              </a:rPr>
+              <a:t>, </a:t>
+            </a:r>
+            <a:r>
+              <a:rPr>
+                <a:latin typeface="Helvetica Neue Medium"/>
+                <a:ea typeface="Helvetica Neue Medium"/>
+                <a:cs typeface="Helvetica Neue Medium"/>
+                <a:sym typeface="Helvetica Neue Medium"/>
+              </a:rPr>
+              <a:t>2022.</a:t>
+            </a:r>
+            <a:endParaRPr>
+              <a:latin typeface="Times Roman"/>
+              <a:ea typeface="Times Roman"/>
+              <a:cs typeface="Times Roman"/>
+              <a:sym typeface="Times Roman"/>
+            </a:endParaRPr>
+          </a:p>
+        </p:txBody>
+      </p:sp>
+      <p:sp>
+        <p:nvSpPr>
+          <p:cNvPr id="152" name="Fintech Group Project 01"/>
+          <p:cNvSpPr txBox="1"/>
+          <p:nvPr>
+            <p:ph type="title"/>
+          </p:nvPr>
+        </p:nvSpPr>
+        <p:spPr>
+          <a:xfrm>
+            <a:off x="1206495" y="2574990"/>
+            <a:ext cx="21971006" cy="4648203"/>
+          </a:xfrm>
+          <a:prstGeom prst="rect">
+            <a:avLst/>
+          </a:prstGeom>
+        </p:spPr>
+        <p:txBody>
+          <a:bodyPr/>
+          <a:lstStyle>
+            <a:lvl1pPr>
+              <a:defRPr spc="-300"/>
+            </a:lvl1pPr>
+          </a:lstStyle>
+          <a:p>
+            <a:pPr/>
+            <a:r>
+              <a:t>Fintech Group Project 01</a:t>
+            </a:r>
+          </a:p>
+        </p:txBody>
+      </p:sp>
+      <p:sp>
+        <p:nvSpPr>
+          <p:cNvPr id="153" name="Azuki, BAYC and Crypto Punks NFTs."/>
+          <p:cNvSpPr txBox="1"/>
+          <p:nvPr/>
+        </p:nvSpPr>
+        <p:spPr>
+          <a:xfrm>
+            <a:off x="1201342" y="7223190"/>
+            <a:ext cx="21971002" cy="1905002"/>
+          </a:xfrm>
+          <a:prstGeom prst="rect">
+            <a:avLst/>
+          </a:prstGeom>
+          <a:ln w="12700">
+            <a:miter lim="400000"/>
+          </a:ln>
           <a:extLst>
             <a:ext uri="{C572A759-6A51-4108-AA02-DFA0A04FC94B}">
               <ma14:wrappingTextBoxFlag xmlns:ma14="http://schemas.microsoft.com/office/mac/drawingml/2011/main" val="1"/>
@@ -4697,56 +4890,20 @@
           </a:extLst>
         </p:spPr>
         <p:txBody>
-          <a:bodyPr/>
-          <a:lstStyle/>
-          <a:p>
-            <a:pPr/>
-            <a:r>
-              <a:t>by Angel, Chris &amp; Meek, 2022</a:t>
-            </a:r>
-          </a:p>
-        </p:txBody>
-      </p:sp>
-      <p:sp>
-        <p:nvSpPr>
-          <p:cNvPr id="152" name="Fintech Group Project 01"/>
-          <p:cNvSpPr txBox="1"/>
-          <p:nvPr>
-            <p:ph type="ctrTitle"/>
-          </p:nvPr>
-        </p:nvSpPr>
-        <p:spPr>
-          <a:prstGeom prst="rect">
-            <a:avLst/>
-          </a:prstGeom>
-        </p:spPr>
-        <p:txBody>
-          <a:bodyPr/>
-          <a:lstStyle/>
-          <a:p>
-            <a:pPr/>
-            <a:r>
-              <a:t>Fintech Group Project 01</a:t>
-            </a:r>
-          </a:p>
-        </p:txBody>
-      </p:sp>
-      <p:sp>
-        <p:nvSpPr>
-          <p:cNvPr id="153" name="Azuki, BAYC and Crypto Punks NFTs."/>
-          <p:cNvSpPr txBox="1"/>
-          <p:nvPr>
-            <p:ph type="subTitle" sz="quarter" idx="1"/>
-          </p:nvPr>
-        </p:nvSpPr>
-        <p:spPr>
-          <a:prstGeom prst="rect">
-            <a:avLst/>
-          </a:prstGeom>
-        </p:spPr>
-        <p:txBody>
-          <a:bodyPr/>
-          <a:lstStyle/>
+          <a:bodyPr lIns="50800" tIns="50800" rIns="50800" bIns="50800">
+            <a:normAutofit fontScale="100000" lnSpcReduction="0"/>
+          </a:bodyPr>
+          <a:lstStyle>
+            <a:lvl1pPr defTabSz="825500">
+              <a:lnSpc>
+                <a:spcPct val="100000"/>
+              </a:lnSpc>
+              <a:spcBef>
+                <a:spcPts val="0"/>
+              </a:spcBef>
+              <a:defRPr b="1" sz="5500"/>
+            </a:lvl1pPr>
+          </a:lstStyle>
           <a:p>
             <a:pPr/>
             <a:r>
@@ -4790,13 +4947,21 @@
           </p:nvPr>
         </p:nvSpPr>
         <p:spPr>
+          <a:xfrm>
+            <a:off x="1206500" y="1075926"/>
+            <a:ext cx="21971000" cy="7241586"/>
+          </a:xfrm>
           <a:prstGeom prst="rect">
             <a:avLst/>
           </a:prstGeom>
         </p:spPr>
         <p:txBody>
           <a:bodyPr/>
-          <a:lstStyle/>
+          <a:lstStyle>
+            <a:lvl1pPr>
+              <a:defRPr spc="-300"/>
+            </a:lvl1pPr>
+          </a:lstStyle>
           <a:p>
             <a:pPr/>
             <a:r>
@@ -4850,7 +5015,7 @@
   </p:clrMapOvr>
   <mc:AlternateContent xmlns:mc="http://schemas.openxmlformats.org/markup-compatibility/2006">
     <mc:Choice xmlns:p14="http://schemas.microsoft.com/office/powerpoint/2010/main" Requires="p14">
-      <p:transition spd="slow" advClick="1" p14:dur="1500">
+      <p:transition spd="slow" advClick="1" p14:dur="1200">
         <p14:prism dir="l"/>
       </p:transition>
     </mc:Choice>
@@ -4889,13 +5054,21 @@
           </p:nvPr>
         </p:nvSpPr>
         <p:spPr>
+          <a:xfrm>
+            <a:off x="1206500" y="1075926"/>
+            <a:ext cx="21971000" cy="7241586"/>
+          </a:xfrm>
           <a:prstGeom prst="rect">
             <a:avLst/>
           </a:prstGeom>
         </p:spPr>
         <p:txBody>
           <a:bodyPr/>
-          <a:lstStyle/>
+          <a:lstStyle>
+            <a:lvl1pPr>
+              <a:defRPr spc="-300"/>
+            </a:lvl1pPr>
+          </a:lstStyle>
           <a:p>
             <a:pPr/>
             <a:r>
@@ -4953,7 +5126,7 @@
   </p:clrMapOvr>
   <mc:AlternateContent xmlns:mc="http://schemas.openxmlformats.org/markup-compatibility/2006">
     <mc:Choice xmlns:p14="http://schemas.microsoft.com/office/powerpoint/2010/main" Requires="p14">
-      <p:transition spd="slow" advClick="1" p14:dur="1500">
+      <p:transition spd="slow" advClick="1" p14:dur="1200">
         <p14:prism dir="l"/>
       </p:transition>
     </mc:Choice>
@@ -4985,31 +5158,76 @@
       </p:grpSpPr>
       <p:sp>
         <p:nvSpPr>
-          <p:cNvPr id="204" name="Postmodern"/>
+          <p:cNvPr id="204" name="Postmoterm"/>
           <p:cNvSpPr txBox="1"/>
           <p:nvPr>
             <p:ph type="title"/>
           </p:nvPr>
         </p:nvSpPr>
         <p:spPr>
+          <a:xfrm>
+            <a:off x="1206500" y="1079499"/>
+            <a:ext cx="21971000" cy="1433165"/>
+          </a:xfrm>
           <a:prstGeom prst="rect">
             <a:avLst/>
           </a:prstGeom>
         </p:spPr>
         <p:txBody>
           <a:bodyPr/>
-          <a:lstStyle/>
-          <a:p>
-            <a:pPr/>
-            <a:r>
-              <a:t>Postmodern</a:t>
-            </a:r>
-          </a:p>
-        </p:txBody>
-      </p:sp>
-      <p:sp>
-        <p:nvSpPr>
-          <p:cNvPr id="205" name="Did we find everything we expected to find?"/>
+          <a:lstStyle>
+            <a:lvl1pPr>
+              <a:defRPr spc="-200"/>
+            </a:lvl1pPr>
+          </a:lstStyle>
+          <a:p>
+            <a:pPr/>
+            <a:r>
+              <a:t>Postmoterm</a:t>
+            </a:r>
+          </a:p>
+        </p:txBody>
+      </p:sp>
+      <p:sp>
+        <p:nvSpPr>
+          <p:cNvPr id="205" name="Difficulties that arose"/>
+          <p:cNvSpPr txBox="1"/>
+          <p:nvPr>
+            <p:ph type="body" sz="quarter" idx="1"/>
+          </p:nvPr>
+        </p:nvSpPr>
+        <p:spPr>
+          <a:xfrm>
+            <a:off x="1206500" y="2372961"/>
+            <a:ext cx="21971000" cy="934780"/>
+          </a:xfrm>
+          <a:prstGeom prst="rect">
+            <a:avLst/>
+          </a:prstGeom>
+        </p:spPr>
+        <p:txBody>
+          <a:bodyPr/>
+          <a:lstStyle>
+            <a:lvl1pPr>
+              <a:defRPr b="0" i="1">
+                <a:latin typeface="Helvetica Neue Thin"/>
+                <a:ea typeface="Helvetica Neue Thin"/>
+                <a:cs typeface="Helvetica Neue Thin"/>
+                <a:sym typeface="Helvetica Neue Thin"/>
+              </a:defRPr>
+            </a:lvl1pPr>
+          </a:lstStyle>
+          <a:p>
+            <a:pPr/>
+            <a:r>
+              <a:t>Did we find everything we expected to find?</a:t>
+            </a:r>
+          </a:p>
+        </p:txBody>
+      </p:sp>
+      <p:sp>
+        <p:nvSpPr>
+          <p:cNvPr id="206" name="Our difficulties and how we dealt with them…"/>
           <p:cNvSpPr txBox="1"/>
           <p:nvPr>
             <p:ph type="body" idx="21"/>
@@ -5027,83 +5245,44 @@
         </p:spPr>
         <p:txBody>
           <a:bodyPr/>
-          <a:lstStyle>
-            <a:lvl1pPr>
-              <a:defRPr b="0" i="1">
+          <a:lstStyle/>
+          <a:p>
+            <a:pPr>
+              <a:defRPr>
                 <a:latin typeface="Helvetica Neue Light"/>
                 <a:ea typeface="Helvetica Neue Light"/>
                 <a:cs typeface="Helvetica Neue Light"/>
                 <a:sym typeface="Helvetica Neue Light"/>
               </a:defRPr>
-            </a:lvl1pPr>
-          </a:lstStyle>
-          <a:p>
-            <a:pPr/>
-            <a:r>
-              <a:t>Did we find everything we expected to find?</a:t>
-            </a:r>
-          </a:p>
-        </p:txBody>
-      </p:sp>
-      <p:sp>
-        <p:nvSpPr>
-          <p:cNvPr id="206" name="Our ifficulties and how we dealt with them…"/>
-          <p:cNvSpPr txBox="1"/>
-          <p:nvPr>
-            <p:ph type="body" idx="1"/>
-          </p:nvPr>
-        </p:nvSpPr>
-        <p:spPr>
-          <a:prstGeom prst="rect">
-            <a:avLst/>
-          </a:prstGeom>
-        </p:spPr>
-        <p:txBody>
-          <a:bodyPr/>
-          <a:lstStyle/>
-          <a:p>
-            <a:pPr marL="1018645" indent="-1018645">
-              <a:buSzPct val="100000"/>
-              <a:buAutoNum type="arabicPeriod" startAt="1"/>
+            </a:pPr>
+            <a:r>
+              <a:t>Our difficulties and how we dealt with them</a:t>
+            </a:r>
+          </a:p>
+          <a:p>
+            <a:pPr>
               <a:defRPr>
-                <a:latin typeface="Helvetica Neue Thin"/>
-                <a:ea typeface="Helvetica Neue Thin"/>
-                <a:cs typeface="Helvetica Neue Thin"/>
-                <a:sym typeface="Helvetica Neue Thin"/>
+                <a:latin typeface="Helvetica Neue Light"/>
+                <a:ea typeface="Helvetica Neue Light"/>
+                <a:cs typeface="Helvetica Neue Light"/>
+                <a:sym typeface="Helvetica Neue Light"/>
               </a:defRPr>
             </a:pPr>
             <a:r>
-              <a:t>Our ifficulties and how we dealt with them</a:t>
-            </a:r>
-          </a:p>
-          <a:p>
-            <a:pPr marL="1018645" indent="-1018645">
-              <a:buSzPct val="100000"/>
-              <a:buAutoNum type="arabicPeriod" startAt="1"/>
+              <a:t>Additional questions that came up that we didn’t answer</a:t>
+            </a:r>
+          </a:p>
+          <a:p>
+            <a:pPr>
               <a:defRPr>
-                <a:latin typeface="Helvetica Neue Thin"/>
-                <a:ea typeface="Helvetica Neue Thin"/>
-                <a:cs typeface="Helvetica Neue Thin"/>
-                <a:sym typeface="Helvetica Neue Thin"/>
+                <a:latin typeface="Helvetica Neue Light"/>
+                <a:ea typeface="Helvetica Neue Light"/>
+                <a:cs typeface="Helvetica Neue Light"/>
+                <a:sym typeface="Helvetica Neue Light"/>
               </a:defRPr>
             </a:pPr>
             <a:r>
-              <a:t>Additional questions that came up but didn’t answer</a:t>
-            </a:r>
-          </a:p>
-          <a:p>
-            <a:pPr marL="1018645" indent="-1018645">
-              <a:buSzPct val="100000"/>
-              <a:buAutoNum type="arabicPeriod" startAt="1"/>
-              <a:defRPr>
-                <a:latin typeface="Helvetica Neue Thin"/>
-                <a:ea typeface="Helvetica Neue Thin"/>
-                <a:cs typeface="Helvetica Neue Thin"/>
-                <a:sym typeface="Helvetica Neue Thin"/>
-              </a:defRPr>
-            </a:pPr>
-            <a:r>
-              <a:t>What would we research Next?</a:t>
+              <a:t>What would we research next if we had more time?</a:t>
             </a:r>
           </a:p>
         </p:txBody>
@@ -5115,7 +5294,7 @@
   </p:clrMapOvr>
   <mc:AlternateContent xmlns:mc="http://schemas.openxmlformats.org/markup-compatibility/2006">
     <mc:Choice xmlns:p14="http://schemas.microsoft.com/office/powerpoint/2010/main" Requires="p14">
-      <p:transition spd="slow" advClick="1" p14:dur="1500">
+      <p:transition spd="slow" advClick="1" p14:dur="1200">
         <p14:prism dir="l"/>
       </p:transition>
     </mc:Choice>
@@ -5147,31 +5326,39 @@
       </p:grpSpPr>
       <p:sp>
         <p:nvSpPr>
-          <p:cNvPr id="210" name="Postmoterm"/>
+          <p:cNvPr id="208" name="8. Questions"/>
           <p:cNvSpPr txBox="1"/>
           <p:nvPr>
-            <p:ph type="title"/>
-          </p:nvPr>
-        </p:nvSpPr>
-        <p:spPr>
+            <p:ph type="body" idx="1"/>
+          </p:nvPr>
+        </p:nvSpPr>
+        <p:spPr>
+          <a:xfrm>
+            <a:off x="1206500" y="1075926"/>
+            <a:ext cx="21971000" cy="7241586"/>
+          </a:xfrm>
           <a:prstGeom prst="rect">
             <a:avLst/>
           </a:prstGeom>
         </p:spPr>
         <p:txBody>
           <a:bodyPr/>
-          <a:lstStyle/>
-          <a:p>
-            <a:pPr/>
-            <a:r>
-              <a:t>Postmoterm</a:t>
-            </a:r>
-          </a:p>
-        </p:txBody>
-      </p:sp>
-      <p:sp>
-        <p:nvSpPr>
-          <p:cNvPr id="211" name="Difficulties that arose"/>
+          <a:lstStyle>
+            <a:lvl1pPr>
+              <a:defRPr spc="-300"/>
+            </a:lvl1pPr>
+          </a:lstStyle>
+          <a:p>
+            <a:pPr/>
+            <a:r>
+              <a:t>8. Questions</a:t>
+            </a:r>
+          </a:p>
+        </p:txBody>
+      </p:sp>
+      <p:sp>
+        <p:nvSpPr>
+          <p:cNvPr id="209" name="Open floor Q&amp;A with the audience"/>
           <p:cNvSpPr txBox="1"/>
           <p:nvPr>
             <p:ph type="body" idx="21"/>
@@ -5191,7 +5378,7 @@
           <a:bodyPr/>
           <a:lstStyle>
             <a:lvl1pPr>
-              <a:defRPr b="0" i="1">
+              <a:defRPr b="0">
                 <a:latin typeface="Helvetica Neue Thin"/>
                 <a:ea typeface="Helvetica Neue Thin"/>
                 <a:cs typeface="Helvetica Neue Thin"/>
@@ -5202,64 +5389,7 @@
           <a:p>
             <a:pPr/>
             <a:r>
-              <a:t>Difficulties that arose</a:t>
-            </a:r>
-          </a:p>
-        </p:txBody>
-      </p:sp>
-      <p:sp>
-        <p:nvSpPr>
-          <p:cNvPr id="212" name="Our difficulties and how we dealt with them…"/>
-          <p:cNvSpPr txBox="1"/>
-          <p:nvPr>
-            <p:ph type="body" idx="1"/>
-          </p:nvPr>
-        </p:nvSpPr>
-        <p:spPr>
-          <a:prstGeom prst="rect">
-            <a:avLst/>
-          </a:prstGeom>
-        </p:spPr>
-        <p:txBody>
-          <a:bodyPr/>
-          <a:lstStyle/>
-          <a:p>
-            <a:pPr>
-              <a:defRPr>
-                <a:latin typeface="Helvetica Neue Light"/>
-                <a:ea typeface="Helvetica Neue Light"/>
-                <a:cs typeface="Helvetica Neue Light"/>
-                <a:sym typeface="Helvetica Neue Light"/>
-              </a:defRPr>
-            </a:pPr>
-            <a:r>
-              <a:t>Our difficulties and how we dealt with them</a:t>
-            </a:r>
-          </a:p>
-          <a:p>
-            <a:pPr>
-              <a:defRPr>
-                <a:latin typeface="Helvetica Neue Light"/>
-                <a:ea typeface="Helvetica Neue Light"/>
-                <a:cs typeface="Helvetica Neue Light"/>
-                <a:sym typeface="Helvetica Neue Light"/>
-              </a:defRPr>
-            </a:pPr>
-            <a:r>
-              <a:t>Additional questions that came up that we didn’t answer</a:t>
-            </a:r>
-          </a:p>
-          <a:p>
-            <a:pPr>
-              <a:defRPr>
-                <a:latin typeface="Helvetica Neue Light"/>
-                <a:ea typeface="Helvetica Neue Light"/>
-                <a:cs typeface="Helvetica Neue Light"/>
-                <a:sym typeface="Helvetica Neue Light"/>
-              </a:defRPr>
-            </a:pPr>
-            <a:r>
-              <a:t>What would we research next if we had more time?</a:t>
+              <a:t>Open floor Q&amp;A with the audience</a:t>
             </a:r>
           </a:p>
         </p:txBody>
@@ -5269,18 +5399,7 @@
   <p:clrMapOvr>
     <a:masterClrMapping/>
   </p:clrMapOvr>
-  <mc:AlternateContent xmlns:mc="http://schemas.openxmlformats.org/markup-compatibility/2006">
-    <mc:Choice xmlns:p14="http://schemas.microsoft.com/office/powerpoint/2010/main" Requires="p14">
-      <p:transition spd="slow" advClick="1" p14:dur="1500">
-        <p14:prism dir="l"/>
-      </p:transition>
-    </mc:Choice>
-    <mc:Fallback>
-      <p:transition spd="slow">
-        <p:fade/>
-      </p:transition>
-    </mc:Fallback>
-  </mc:AlternateContent>
+  <p:transition xmlns:p14="http://schemas.microsoft.com/office/powerpoint/2010/main" spd="med" advClick="1"/>
 </p:sld>
 </file>
 
@@ -5301,97 +5420,9 @@
           <a:chExt cx="0" cy="0"/>
         </a:xfrm>
       </p:grpSpPr>
-      <p:sp>
-        <p:nvSpPr>
-          <p:cNvPr id="214" name="8. Questions"/>
-          <p:cNvSpPr txBox="1"/>
-          <p:nvPr>
-            <p:ph type="body" idx="1"/>
-          </p:nvPr>
-        </p:nvSpPr>
-        <p:spPr>
-          <a:prstGeom prst="rect">
-            <a:avLst/>
-          </a:prstGeom>
-        </p:spPr>
-        <p:txBody>
-          <a:bodyPr/>
-          <a:lstStyle/>
-          <a:p>
-            <a:pPr/>
-            <a:r>
-              <a:t>8. Questions</a:t>
-            </a:r>
-          </a:p>
-        </p:txBody>
-      </p:sp>
-      <p:sp>
-        <p:nvSpPr>
-          <p:cNvPr id="215" name="Open floor Q&amp;A with the audience"/>
-          <p:cNvSpPr txBox="1"/>
-          <p:nvPr>
-            <p:ph type="body" idx="21"/>
-          </p:nvPr>
-        </p:nvSpPr>
-        <p:spPr>
-          <a:prstGeom prst="rect">
-            <a:avLst/>
-          </a:prstGeom>
-          <a:extLst>
-            <a:ext uri="{C572A759-6A51-4108-AA02-DFA0A04FC94B}">
-              <ma14:wrappingTextBoxFlag xmlns:ma14="http://schemas.microsoft.com/office/mac/drawingml/2011/main" val="1"/>
-            </a:ext>
-          </a:extLst>
-        </p:spPr>
-        <p:txBody>
-          <a:bodyPr/>
-          <a:lstStyle>
-            <a:lvl1pPr>
-              <a:defRPr b="0">
-                <a:latin typeface="Helvetica Neue Thin"/>
-                <a:ea typeface="Helvetica Neue Thin"/>
-                <a:cs typeface="Helvetica Neue Thin"/>
-                <a:sym typeface="Helvetica Neue Thin"/>
-              </a:defRPr>
-            </a:lvl1pPr>
-          </a:lstStyle>
-          <a:p>
-            <a:pPr/>
-            <a:r>
-              <a:t>Open floor Q&amp;A with the audience</a:t>
-            </a:r>
-          </a:p>
-        </p:txBody>
-      </p:sp>
-    </p:spTree>
-  </p:cSld>
-  <p:clrMapOvr>
-    <a:masterClrMapping/>
-  </p:clrMapOvr>
-  <p:transition xmlns:p14="http://schemas.microsoft.com/office/powerpoint/2010/main" spd="med" advClick="1"/>
-</p:sld>
-</file>
-
-<file path=ppt/slides/slide15.xml><?xml version="1.0" encoding="utf-8"?>
-<p:sld xmlns:a="http://schemas.openxmlformats.org/drawingml/2006/main" xmlns:r="http://schemas.openxmlformats.org/officeDocument/2006/relationships" xmlns:p="http://schemas.openxmlformats.org/presentationml/2006/main" xmlns:m="http://schemas.openxmlformats.org/officeDocument/2006/math" xmlns:a14="http://schemas.microsoft.com/office/drawing/2010/main" showMasterSp="1" showMasterPhAnim="1">
-  <p:cSld>
-    <p:spTree>
-      <p:nvGrpSpPr>
-        <p:cNvPr id="1" name=""/>
-        <p:cNvGrpSpPr/>
-        <p:nvPr/>
-      </p:nvGrpSpPr>
-      <p:grpSpPr>
-        <a:xfrm>
-          <a:off x="0" y="0"/>
-          <a:ext cx="0" cy="0"/>
-          <a:chOff x="0" y="0"/>
-          <a:chExt cx="0" cy="0"/>
-        </a:xfrm>
-      </p:grpSpPr>
       <p:pic>
         <p:nvPicPr>
-          <p:cNvPr id="219" name="bayc-footer.png.png" descr="bayc-footer.png.png"/>
+          <p:cNvPr id="213" name="bayc-footer.png.png" descr="bayc-footer.png.png"/>
           <p:cNvPicPr>
             <a:picLocks noChangeAspect="1"/>
           </p:cNvPicPr>
@@ -5403,31 +5434,38 @@
           <a:blip r:embed="rId3">
             <a:extLst/>
           </a:blip>
-          <a:srcRect l="0" t="18750" r="0" b="18750"/>
+          <a:srcRect l="0" t="0" r="0" b="0"/>
           <a:stretch>
             <a:fillRect/>
           </a:stretch>
         </p:blipFill>
         <p:spPr>
-          <a:xfrm>
-            <a:off x="-5878447" y="-4811515"/>
-            <a:ext cx="37342170" cy="23338857"/>
+          <a:xfrm flipH="1">
+            <a:off x="6381672" y="508000"/>
+            <a:ext cx="12700001" cy="12700001"/>
           </a:xfrm>
           <a:prstGeom prst="rect">
             <a:avLst/>
           </a:prstGeom>
+          <a:effectLst>
+            <a:outerShdw sx="100000" sy="100000" kx="0" ky="0" algn="b" rotWithShape="0" blurRad="254000" dist="127000" dir="16200000">
+              <a:srgbClr val="000000">
+                <a:alpha val="70000"/>
+              </a:srgbClr>
+            </a:outerShdw>
+          </a:effectLst>
         </p:spPr>
       </p:pic>
       <p:sp>
         <p:nvSpPr>
-          <p:cNvPr id="220" name="thank you,"/>
+          <p:cNvPr id="214" name="thank you,"/>
           <p:cNvSpPr txBox="1"/>
           <p:nvPr/>
         </p:nvSpPr>
         <p:spPr>
           <a:xfrm>
             <a:off x="1002520" y="702377"/>
-            <a:ext cx="7134099" cy="1849568"/>
+            <a:ext cx="7134099" cy="1849567"/>
           </a:xfrm>
           <a:prstGeom prst="rect">
             <a:avLst/>
@@ -5453,11 +5491,7 @@
               <a:spcBef>
                 <a:spcPts val="0"/>
               </a:spcBef>
-              <a:defRPr b="1" spc="-232" sz="11600">
-                <a:solidFill>
-                  <a:srgbClr val="FFFFFF"/>
-                </a:solidFill>
-              </a:defRPr>
+              <a:defRPr b="1" spc="-232" sz="11600"/>
             </a:lvl1pPr>
           </a:lstStyle>
           <a:p>
@@ -5475,7 +5509,7 @@
   </p:clrMapOvr>
   <mc:AlternateContent xmlns:mc="http://schemas.openxmlformats.org/markup-compatibility/2006">
     <mc:Choice xmlns:p14="http://schemas.microsoft.com/office/powerpoint/2010/main" Requires="p14">
-      <p:transition spd="slow" advClick="1" p14:dur="1500">
+      <p:transition spd="slow" advClick="1" p14:dur="1200">
         <p14:prism dir="l"/>
       </p:transition>
     </mc:Choice>
@@ -5507,7 +5541,9 @@
       </p:grpSpPr>
       <p:pic>
         <p:nvPicPr>
-          <p:cNvPr id="157" name="unnamed.png" descr="unnamed.png"/>
+          <p:cNvPr id="157" name="unnamed.png" descr="unnamed.png">
+            <a:hlinkClick r:id="rId3" invalidUrl="" action="" tgtFrame="" tooltip="" history="1" highlightClick="0" endSnd="0"/>
+          </p:cNvPr>
           <p:cNvPicPr>
             <a:picLocks noChangeAspect="1"/>
           </p:cNvPicPr>
@@ -5516,7 +5552,7 @@
           </p:nvPr>
         </p:nvPicPr>
         <p:blipFill>
-          <a:blip r:embed="rId3">
+          <a:blip r:embed="rId4">
             <a:extLst/>
           </a:blip>
           <a:srcRect l="1136" t="0" r="1136" b="0"/>
@@ -5543,13 +5579,21 @@
           </p:nvPr>
         </p:nvSpPr>
         <p:spPr>
+          <a:xfrm>
+            <a:off x="1206500" y="1269999"/>
+            <a:ext cx="9779000" cy="5882275"/>
+          </a:xfrm>
           <a:prstGeom prst="rect">
             <a:avLst/>
           </a:prstGeom>
         </p:spPr>
         <p:txBody>
           <a:bodyPr/>
-          <a:lstStyle/>
+          <a:lstStyle>
+            <a:lvl1pPr>
+              <a:defRPr spc="-200"/>
+            </a:lvl1pPr>
+          </a:lstStyle>
           <a:p>
             <a:pPr/>
             <a:r>
@@ -5567,6 +5611,10 @@
           </p:nvPr>
         </p:nvSpPr>
         <p:spPr>
+          <a:xfrm>
+            <a:off x="1206500" y="7060576"/>
+            <a:ext cx="9779000" cy="5385425"/>
+          </a:xfrm>
           <a:prstGeom prst="rect">
             <a:avLst/>
           </a:prstGeom>
@@ -5584,9 +5632,9 @@
               </a:spcBef>
               <a:buSzPct val="40000"/>
               <a:buBlip>
-                <a:blip r:embed="rId4"/>
+                <a:blip r:embed="rId5"/>
               </a:buBlip>
-              <a:defRPr b="0" sz="3168">
+              <a:defRPr b="0" sz="3100">
                 <a:latin typeface="Helvetica Neue UltraLight"/>
                 <a:ea typeface="Helvetica Neue UltraLight"/>
                 <a:cs typeface="Helvetica Neue UltraLight"/>
@@ -5607,9 +5655,9 @@
               </a:spcBef>
               <a:buSzPct val="40000"/>
               <a:buBlip>
-                <a:blip r:embed="rId4"/>
+                <a:blip r:embed="rId5"/>
               </a:buBlip>
-              <a:defRPr b="0" sz="3168">
+              <a:defRPr b="0" sz="3100">
                 <a:latin typeface="Helvetica Neue UltraLight"/>
                 <a:ea typeface="Helvetica Neue UltraLight"/>
                 <a:cs typeface="Helvetica Neue UltraLight"/>
@@ -5630,9 +5678,9 @@
               </a:spcBef>
               <a:buSzPct val="40000"/>
               <a:buBlip>
-                <a:blip r:embed="rId4"/>
+                <a:blip r:embed="rId5"/>
               </a:buBlip>
-              <a:defRPr b="0" sz="3168">
+              <a:defRPr b="0" sz="3100">
                 <a:latin typeface="Helvetica Neue UltraLight"/>
                 <a:ea typeface="Helvetica Neue UltraLight"/>
                 <a:cs typeface="Helvetica Neue UltraLight"/>
@@ -5653,9 +5701,9 @@
               </a:spcBef>
               <a:buSzPct val="40000"/>
               <a:buBlip>
-                <a:blip r:embed="rId4"/>
+                <a:blip r:embed="rId5"/>
               </a:buBlip>
-              <a:defRPr b="0" sz="3168">
+              <a:defRPr b="0" sz="3100">
                 <a:latin typeface="Helvetica Neue UltraLight"/>
                 <a:ea typeface="Helvetica Neue UltraLight"/>
                 <a:cs typeface="Helvetica Neue UltraLight"/>
@@ -5676,9 +5724,9 @@
               </a:spcBef>
               <a:buSzPct val="40000"/>
               <a:buBlip>
-                <a:blip r:embed="rId4"/>
+                <a:blip r:embed="rId5"/>
               </a:buBlip>
-              <a:defRPr b="0" sz="3168">
+              <a:defRPr b="0" sz="3100">
                 <a:latin typeface="Helvetica Neue UltraLight"/>
                 <a:ea typeface="Helvetica Neue UltraLight"/>
                 <a:cs typeface="Helvetica Neue UltraLight"/>
@@ -5699,9 +5747,9 @@
               </a:spcBef>
               <a:buSzPct val="40000"/>
               <a:buBlip>
-                <a:blip r:embed="rId4"/>
+                <a:blip r:embed="rId5"/>
               </a:buBlip>
-              <a:defRPr b="0" sz="3168">
+              <a:defRPr b="0" sz="3100">
                 <a:latin typeface="Helvetica Neue UltraLight"/>
                 <a:ea typeface="Helvetica Neue UltraLight"/>
                 <a:cs typeface="Helvetica Neue UltraLight"/>
@@ -5722,9 +5770,9 @@
               </a:spcBef>
               <a:buSzPct val="40000"/>
               <a:buBlip>
-                <a:blip r:embed="rId4"/>
+                <a:blip r:embed="rId5"/>
               </a:buBlip>
-              <a:defRPr b="0" sz="3168">
+              <a:defRPr b="0" sz="3100">
                 <a:latin typeface="Helvetica Neue UltraLight"/>
                 <a:ea typeface="Helvetica Neue UltraLight"/>
                 <a:cs typeface="Helvetica Neue UltraLight"/>
@@ -5745,8 +5793,8 @@
         </p:nvSpPr>
         <p:spPr>
           <a:xfrm>
-            <a:off x="12227187" y="12738537"/>
-            <a:ext cx="10922000" cy="546101"/>
+            <a:off x="12227186" y="12738537"/>
+            <a:ext cx="10922001" cy="546101"/>
           </a:xfrm>
           <a:prstGeom prst="rect">
             <a:avLst/>
@@ -5777,9 +5825,9 @@
                 <a:solidFill>
                   <a:srgbClr val="353840"/>
                 </a:solidFill>
-                <a:latin typeface="Helvetica"/>
-                <a:ea typeface="Helvetica"/>
-                <a:cs typeface="Helvetica"/>
+                <a:latin typeface="+mj-lt"/>
+                <a:ea typeface="+mj-ea"/>
+                <a:cs typeface="+mj-cs"/>
                 <a:sym typeface="Helvetica"/>
               </a:defRPr>
             </a:pPr>
@@ -5865,8 +5913,8 @@
         </p:blipFill>
         <p:spPr>
           <a:xfrm>
-            <a:off x="0" y="0"/>
-            <a:ext cx="24384000" cy="13716000"/>
+            <a:off x="0" y="-1"/>
+            <a:ext cx="24384000" cy="13716002"/>
           </a:xfrm>
           <a:prstGeom prst="rect">
             <a:avLst/>
@@ -5880,7 +5928,7 @@
   </p:clrMapOvr>
   <mc:AlternateContent xmlns:mc="http://schemas.openxmlformats.org/markup-compatibility/2006">
     <mc:Choice xmlns:p14="http://schemas.microsoft.com/office/powerpoint/2010/main" Requires="p14">
-      <p:transition spd="slow" advClick="1" p14:dur="1500">
+      <p:transition spd="slow" advClick="1" p14:dur="1200">
         <p14:prism dir="l"/>
       </p:transition>
     </mc:Choice>
@@ -5919,6 +5967,10 @@
           </p:nvPr>
         </p:nvSpPr>
         <p:spPr>
+          <a:xfrm>
+            <a:off x="1206500" y="4920843"/>
+            <a:ext cx="21971000" cy="3874314"/>
+          </a:xfrm>
           <a:prstGeom prst="rect">
             <a:avLst/>
           </a:prstGeom>
@@ -5926,8 +5978,8 @@
         <p:txBody>
           <a:bodyPr/>
           <a:lstStyle>
-            <a:lvl1pPr defTabSz="2413955">
-              <a:defRPr b="1" spc="-247" sz="24750">
+            <a:lvl1pPr defTabSz="2413954">
+              <a:defRPr b="1" spc="-300" sz="24700">
                 <a:latin typeface="+mn-lt"/>
                 <a:ea typeface="+mn-ea"/>
                 <a:cs typeface="+mn-cs"/>
@@ -5950,7 +6002,7 @@
   </p:clrMapOvr>
   <mc:AlternateContent xmlns:mc="http://schemas.openxmlformats.org/markup-compatibility/2006">
     <mc:Choice xmlns:p14="http://schemas.microsoft.com/office/powerpoint/2010/main" Requires="p14">
-      <p:transition spd="slow" advClick="1" p14:dur="1500">
+      <p:transition spd="slow" advClick="1" p14:dur="1200">
         <p14:prism dir="l"/>
       </p:transition>
     </mc:Choice>
@@ -5989,6 +6041,10 @@
           </p:nvPr>
         </p:nvSpPr>
         <p:spPr>
+          <a:xfrm>
+            <a:off x="1206500" y="1079499"/>
+            <a:ext cx="21971000" cy="1433165"/>
+          </a:xfrm>
           <a:prstGeom prst="rect">
             <a:avLst/>
           </a:prstGeom>
@@ -5997,7 +6053,7 @@
           <a:bodyPr/>
           <a:lstStyle>
             <a:lvl1pPr defTabSz="1828754">
-              <a:defRPr spc="-174" sz="8700"/>
+              <a:defRPr spc="-200" sz="8700"/>
             </a:lvl1pPr>
           </a:lstStyle>
           <a:p>
@@ -6013,18 +6069,17 @@
           <p:cNvPr id="171" name="Our motivation and summary…"/>
           <p:cNvSpPr txBox="1"/>
           <p:nvPr>
-            <p:ph type="body" idx="21"/>
-          </p:nvPr>
-        </p:nvSpPr>
-        <p:spPr>
-          <a:prstGeom prst="rect">
-            <a:avLst/>
-          </a:prstGeom>
-          <a:extLst>
-            <a:ext uri="{C572A759-6A51-4108-AA02-DFA0A04FC94B}">
-              <ma14:wrappingTextBoxFlag xmlns:ma14="http://schemas.microsoft.com/office/mac/drawingml/2011/main" val="1"/>
-            </a:ext>
-          </a:extLst>
+            <p:ph type="body" sz="quarter" idx="1"/>
+          </p:nvPr>
+        </p:nvSpPr>
+        <p:spPr>
+          <a:xfrm>
+            <a:off x="1206500" y="2372961"/>
+            <a:ext cx="21971000" cy="934780"/>
+          </a:xfrm>
+          <a:prstGeom prst="rect">
+            <a:avLst/>
+          </a:prstGeom>
         </p:spPr>
         <p:txBody>
           <a:bodyPr/>
@@ -6051,17 +6106,18 @@
           <p:cNvPr id="172" name="Should you invest in Azuki, BAYC or Crypto Punks?…"/>
           <p:cNvSpPr txBox="1"/>
           <p:nvPr>
-            <p:ph type="body" idx="1"/>
-          </p:nvPr>
-        </p:nvSpPr>
-        <p:spPr>
-          <a:xfrm>
-            <a:off x="1206500" y="4248504"/>
-            <a:ext cx="21971000" cy="8256012"/>
-          </a:xfrm>
-          <a:prstGeom prst="rect">
-            <a:avLst/>
-          </a:prstGeom>
+            <p:ph type="body" idx="21"/>
+          </p:nvPr>
+        </p:nvSpPr>
+        <p:spPr>
+          <a:prstGeom prst="rect">
+            <a:avLst/>
+          </a:prstGeom>
+          <a:extLst>
+            <a:ext uri="{C572A759-6A51-4108-AA02-DFA0A04FC94B}">
+              <ma14:wrappingTextBoxFlag xmlns:ma14="http://schemas.microsoft.com/office/mac/drawingml/2011/main" val="1"/>
+            </a:ext>
+          </a:extLst>
         </p:spPr>
         <p:txBody>
           <a:bodyPr/>
@@ -6083,7 +6139,58 @@
               </a:defRPr>
             </a:pPr>
             <a:r>
-              <a:t>Should you invest in Azuki, BAYC or Crypto Punks?</a:t>
+              <a:t>Should you invest in </a:t>
+            </a:r>
+            <a:r>
+              <a:rPr u="sng">
+                <a:solidFill>
+                  <a:srgbClr val="0000FF"/>
+                </a:solidFill>
+                <a:uFill>
+                  <a:solidFill>
+                    <a:srgbClr val="0000FF"/>
+                  </a:solidFill>
+                </a:uFill>
+                <a:hlinkClick r:id="rId4" invalidUrl="" action="" tgtFrame="" tooltip="" history="1" highlightClick="0" endSnd="0"/>
+              </a:rPr>
+              <a:t>Azuki</a:t>
+            </a:r>
+            <a:r>
+              <a:t>, </a:t>
+            </a:r>
+            <a:r>
+              <a:rPr u="sng">
+                <a:solidFill>
+                  <a:srgbClr val="0000FF"/>
+                </a:solidFill>
+                <a:uFill>
+                  <a:solidFill>
+                    <a:srgbClr val="0000FF"/>
+                  </a:solidFill>
+                </a:uFill>
+                <a:hlinkClick r:id="rId5" invalidUrl="" action="" tgtFrame="" tooltip="" history="1" highlightClick="0" endSnd="0"/>
+              </a:rPr>
+              <a:t>BAYC</a:t>
+            </a:r>
+            <a:r>
+              <a:t> or </a:t>
+            </a:r>
+            <a:r>
+              <a:rPr u="sng">
+                <a:solidFill>
+                  <a:srgbClr val="0000FF"/>
+                </a:solidFill>
+                <a:uFill>
+                  <a:solidFill>
+                    <a:srgbClr val="0000FF"/>
+                  </a:solidFill>
+                </a:uFill>
+                <a:hlinkClick r:id="rId6" invalidUrl="" action="" tgtFrame="" tooltip="" history="1" highlightClick="0" endSnd="0"/>
+              </a:rPr>
+              <a:t>Crypto Punks</a:t>
+            </a:r>
+            <a:r>
+              <a:t>?</a:t>
             </a:r>
           </a:p>
           <a:p>
@@ -6115,7 +6222,7 @@
   </p:clrMapOvr>
   <mc:AlternateContent xmlns:mc="http://schemas.openxmlformats.org/markup-compatibility/2006">
     <mc:Choice xmlns:p14="http://schemas.microsoft.com/office/powerpoint/2010/main" Requires="p14">
-      <p:transition spd="slow" advClick="1" p14:dur="1500">
+      <p:transition spd="slow" advClick="1" p14:dur="1200">
         <p14:prism dir="l"/>
       </p:transition>
     </mc:Choice>
@@ -6166,8 +6273,8 @@
         </p:blipFill>
         <p:spPr>
           <a:xfrm>
-            <a:off x="0" y="0"/>
-            <a:ext cx="24384000" cy="13716000"/>
+            <a:off x="-1" y="0"/>
+            <a:ext cx="24384002" cy="13716000"/>
           </a:xfrm>
           <a:prstGeom prst="rect">
             <a:avLst/>
@@ -6191,7 +6298,7 @@
           <a:bodyPr/>
           <a:lstStyle>
             <a:lvl1pPr>
-              <a:defRPr>
+              <a:defRPr spc="-300">
                 <a:solidFill>
                   <a:srgbClr val="FFFFFF"/>
                 </a:solidFill>
@@ -6215,15 +6322,19 @@
           </p:nvPr>
         </p:nvSpPr>
         <p:spPr>
-          <a:prstGeom prst="rect">
-            <a:avLst/>
-          </a:prstGeom>
-        </p:spPr>
-        <p:txBody>
-          <a:bodyPr/>
+          <a:xfrm>
+            <a:off x="1206500" y="11609909"/>
+            <a:ext cx="21971000" cy="1116953"/>
+          </a:xfrm>
+          <a:prstGeom prst="rect">
+            <a:avLst/>
+          </a:prstGeom>
+        </p:spPr>
+        <p:txBody>
+          <a:bodyPr lIns="50800" tIns="50800" rIns="50800" bIns="50800"/>
           <a:lstStyle>
             <a:lvl1pPr>
-              <a:defRPr b="0">
+              <a:defRPr b="0" sz="5500">
                 <a:solidFill>
                   <a:srgbClr val="FFFFFF"/>
                 </a:solidFill>
@@ -6249,7 +6360,7 @@
   </p:clrMapOvr>
   <mc:AlternateContent xmlns:mc="http://schemas.openxmlformats.org/markup-compatibility/2006">
     <mc:Choice xmlns:p14="http://schemas.microsoft.com/office/powerpoint/2010/main" Requires="p14">
-      <p:transition spd="slow" advClick="1" p14:dur="1500">
+      <p:transition spd="slow" advClick="1" p14:dur="1200">
         <p14:prism dir="l"/>
       </p:transition>
     </mc:Choice>
@@ -6288,13 +6399,21 @@
           </p:nvPr>
         </p:nvSpPr>
         <p:spPr>
+          <a:xfrm>
+            <a:off x="1206500" y="1075926"/>
+            <a:ext cx="21971000" cy="7241586"/>
+          </a:xfrm>
           <a:prstGeom prst="rect">
             <a:avLst/>
           </a:prstGeom>
         </p:spPr>
         <p:txBody>
           <a:bodyPr/>
-          <a:lstStyle/>
+          <a:lstStyle>
+            <a:lvl1pPr>
+              <a:defRPr spc="-300"/>
+            </a:lvl1pPr>
+          </a:lstStyle>
           <a:p>
             <a:pPr/>
             <a:r>
@@ -6348,7 +6467,7 @@
   </p:clrMapOvr>
   <mc:AlternateContent xmlns:mc="http://schemas.openxmlformats.org/markup-compatibility/2006">
     <mc:Choice xmlns:p14="http://schemas.microsoft.com/office/powerpoint/2010/main" Requires="p14">
-      <p:transition spd="slow" advClick="1" p14:dur="1500">
+      <p:transition spd="slow" advClick="1" p14:dur="1200">
         <p14:prism dir="l"/>
       </p:transition>
     </mc:Choice>
@@ -6387,6 +6506,10 @@
           </p:nvPr>
         </p:nvSpPr>
         <p:spPr>
+          <a:xfrm>
+            <a:off x="1206500" y="4248503"/>
+            <a:ext cx="21971000" cy="8256014"/>
+          </a:xfrm>
           <a:prstGeom prst="rect">
             <a:avLst/>
           </a:prstGeom>
@@ -6437,7 +6560,7 @@
   </p:clrMapOvr>
   <mc:AlternateContent xmlns:mc="http://schemas.openxmlformats.org/markup-compatibility/2006">
     <mc:Choice xmlns:p14="http://schemas.microsoft.com/office/powerpoint/2010/main" Requires="p14">
-      <p:transition spd="slow" advClick="1" p14:dur="1500">
+      <p:transition spd="slow" advClick="1" p14:dur="1200">
         <p14:prism dir="l"/>
       </p:transition>
     </mc:Choice>
@@ -6476,6 +6599,10 @@
           </p:nvPr>
         </p:nvSpPr>
         <p:spPr>
+          <a:xfrm>
+            <a:off x="1206500" y="1075926"/>
+            <a:ext cx="21971000" cy="7241586"/>
+          </a:xfrm>
           <a:prstGeom prst="rect">
             <a:avLst/>
           </a:prstGeom>
@@ -6484,7 +6611,7 @@
           <a:bodyPr/>
           <a:lstStyle>
             <a:lvl1pPr defTabSz="2243271">
-              <a:defRPr spc="-230" sz="23000"/>
+              <a:defRPr spc="-300" sz="23000"/>
             </a:lvl1pPr>
           </a:lstStyle>
           <a:p>
@@ -6540,7 +6667,7 @@
   </p:clrMapOvr>
   <mc:AlternateContent xmlns:mc="http://schemas.openxmlformats.org/markup-compatibility/2006">
     <mc:Choice xmlns:p14="http://schemas.microsoft.com/office/powerpoint/2010/main" Requires="p14">
-      <p:transition spd="slow" advClick="1" p14:dur="1500">
+      <p:transition spd="slow" advClick="1" p14:dur="1200">
         <p14:prism dir="l"/>
       </p:transition>
     </mc:Choice>
@@ -6564,10 +6691,10 @@
         <a:srgbClr val="FFFFFF"/>
       </a:lt1>
       <a:dk2>
-        <a:srgbClr val="5E5E5E"/>
+        <a:srgbClr val="A7A7A7"/>
       </a:dk2>
       <a:lt2>
-        <a:srgbClr val="D5D5D5"/>
+        <a:srgbClr val="535353"/>
       </a:lt2>
       <a:accent1>
         <a:srgbClr val="00A2FF"/>
@@ -6596,9 +6723,9 @@
     </a:clrScheme>
     <a:fontScheme name="21_BasicWhite">
       <a:majorFont>
-        <a:latin typeface="Helvetica Neue"/>
-        <a:ea typeface="Helvetica Neue"/>
-        <a:cs typeface="Helvetica Neue"/>
+        <a:latin typeface="Helvetica"/>
+        <a:ea typeface="Helvetica"/>
+        <a:cs typeface="Helvetica"/>
       </a:majorFont>
       <a:minorFont>
         <a:latin typeface="Helvetica Neue"/>
@@ -6744,11 +6871,14 @@
     <a:spDef>
       <a:spPr>
         <a:solidFill>
-          <a:srgbClr val="000000"/>
+          <a:srgbClr val="FFFFFF"/>
         </a:solidFill>
-        <a:ln w="12700" cap="flat">
-          <a:noFill/>
-          <a:miter lim="400000"/>
+        <a:ln w="25400" cap="flat">
+          <a:solidFill>
+            <a:schemeClr val="accent1"/>
+          </a:solidFill>
+          <a:prstDash val="solid"/>
+          <a:round/>
         </a:ln>
         <a:effectLst/>
         <a:sp3d/>
@@ -6757,12 +6887,12 @@
         <a:spAutoFit/>
       </a:bodyPr>
       <a:lstStyle>
-        <a:defPPr marL="0" marR="0" indent="0" algn="ctr" defTabSz="825500" rtl="0" fontAlgn="auto" latinLnBrk="0" hangingPunct="0">
+        <a:defPPr marL="0" marR="0" indent="0" algn="l" defTabSz="2438337" rtl="0" fontAlgn="auto" latinLnBrk="0" hangingPunct="0">
           <a:lnSpc>
-            <a:spcPct val="100000"/>
+            <a:spcPct val="90000"/>
           </a:lnSpc>
           <a:spcBef>
-            <a:spcPts val="0"/>
+            <a:spcPts val="4500"/>
           </a:spcBef>
           <a:spcAft>
             <a:spcPts val="0"/>
@@ -6772,19 +6902,19 @@
           <a:buFontTx/>
           <a:buNone/>
           <a:tabLst/>
-          <a:defRPr b="0" baseline="0" cap="none" i="0" spc="0" strike="noStrike" sz="3200" u="none" kumimoji="0" normalizeH="0">
+          <a:defRPr b="0" baseline="0" cap="none" i="0" spc="0" strike="noStrike" sz="4800" u="none" kumimoji="0" normalizeH="0">
             <a:ln>
               <a:noFill/>
             </a:ln>
             <a:solidFill>
-              <a:srgbClr val="FFFFFF"/>
+              <a:srgbClr val="000000"/>
             </a:solidFill>
             <a:effectLst/>
             <a:uFillTx/>
-            <a:latin typeface="Helvetica Neue Medium"/>
-            <a:ea typeface="Helvetica Neue Medium"/>
-            <a:cs typeface="Helvetica Neue Medium"/>
-            <a:sym typeface="Helvetica Neue Medium"/>
+            <a:latin typeface="+mn-lt"/>
+            <a:ea typeface="+mn-ea"/>
+            <a:cs typeface="+mn-cs"/>
+            <a:sym typeface="Helvetica Neue"/>
           </a:defRPr>
         </a:defPPr>
         <a:lvl1pPr marL="0" marR="0" indent="0" algn="l" defTabSz="914400" rtl="0" fontAlgn="auto" latinLnBrk="1" hangingPunct="0">
@@ -7034,10 +7164,10 @@
         <a:noFill/>
         <a:ln w="25400" cap="flat">
           <a:solidFill>
-            <a:srgbClr val="000000"/>
+            <a:schemeClr val="accent1"/>
           </a:solidFill>
           <a:prstDash val="solid"/>
-          <a:miter lim="400000"/>
+          <a:round/>
         </a:ln>
         <a:effectLst/>
         <a:sp3d/>
@@ -7328,7 +7458,7 @@
         <a:spAutoFit/>
       </a:bodyPr>
       <a:lstStyle>
-        <a:defPPr marL="0" marR="0" indent="0" algn="l" defTabSz="2438338" rtl="0" fontAlgn="auto" latinLnBrk="0" hangingPunct="0">
+        <a:defPPr marL="0" marR="0" indent="0" algn="l" defTabSz="2438337" rtl="0" fontAlgn="auto" latinLnBrk="0" hangingPunct="0">
           <a:lnSpc>
             <a:spcPct val="90000"/>
           </a:lnSpc>
@@ -7615,10 +7745,10 @@
         <a:srgbClr val="FFFFFF"/>
       </a:lt1>
       <a:dk2>
-        <a:srgbClr val="5E5E5E"/>
+        <a:srgbClr val="A7A7A7"/>
       </a:dk2>
       <a:lt2>
-        <a:srgbClr val="D5D5D5"/>
+        <a:srgbClr val="535353"/>
       </a:lt2>
       <a:accent1>
         <a:srgbClr val="00A2FF"/>
@@ -7647,9 +7777,9 @@
     </a:clrScheme>
     <a:fontScheme name="21_BasicWhite">
       <a:majorFont>
-        <a:latin typeface="Helvetica Neue"/>
-        <a:ea typeface="Helvetica Neue"/>
-        <a:cs typeface="Helvetica Neue"/>
+        <a:latin typeface="Helvetica"/>
+        <a:ea typeface="Helvetica"/>
+        <a:cs typeface="Helvetica"/>
       </a:majorFont>
       <a:minorFont>
         <a:latin typeface="Helvetica Neue"/>
@@ -7795,11 +7925,14 @@
     <a:spDef>
       <a:spPr>
         <a:solidFill>
-          <a:srgbClr val="000000"/>
+          <a:srgbClr val="FFFFFF"/>
         </a:solidFill>
-        <a:ln w="12700" cap="flat">
-          <a:noFill/>
-          <a:miter lim="400000"/>
+        <a:ln w="25400" cap="flat">
+          <a:solidFill>
+            <a:schemeClr val="accent1"/>
+          </a:solidFill>
+          <a:prstDash val="solid"/>
+          <a:round/>
         </a:ln>
         <a:effectLst/>
         <a:sp3d/>
@@ -7808,12 +7941,12 @@
         <a:spAutoFit/>
       </a:bodyPr>
       <a:lstStyle>
-        <a:defPPr marL="0" marR="0" indent="0" algn="ctr" defTabSz="825500" rtl="0" fontAlgn="auto" latinLnBrk="0" hangingPunct="0">
+        <a:defPPr marL="0" marR="0" indent="0" algn="l" defTabSz="2438337" rtl="0" fontAlgn="auto" latinLnBrk="0" hangingPunct="0">
           <a:lnSpc>
-            <a:spcPct val="100000"/>
+            <a:spcPct val="90000"/>
           </a:lnSpc>
           <a:spcBef>
-            <a:spcPts val="0"/>
+            <a:spcPts val="4500"/>
           </a:spcBef>
           <a:spcAft>
             <a:spcPts val="0"/>
@@ -7823,19 +7956,19 @@
           <a:buFontTx/>
           <a:buNone/>
           <a:tabLst/>
-          <a:defRPr b="0" baseline="0" cap="none" i="0" spc="0" strike="noStrike" sz="3200" u="none" kumimoji="0" normalizeH="0">
+          <a:defRPr b="0" baseline="0" cap="none" i="0" spc="0" strike="noStrike" sz="4800" u="none" kumimoji="0" normalizeH="0">
             <a:ln>
               <a:noFill/>
             </a:ln>
             <a:solidFill>
-              <a:srgbClr val="FFFFFF"/>
+              <a:srgbClr val="000000"/>
             </a:solidFill>
             <a:effectLst/>
             <a:uFillTx/>
-            <a:latin typeface="Helvetica Neue Medium"/>
-            <a:ea typeface="Helvetica Neue Medium"/>
-            <a:cs typeface="Helvetica Neue Medium"/>
-            <a:sym typeface="Helvetica Neue Medium"/>
+            <a:latin typeface="+mn-lt"/>
+            <a:ea typeface="+mn-ea"/>
+            <a:cs typeface="+mn-cs"/>
+            <a:sym typeface="Helvetica Neue"/>
           </a:defRPr>
         </a:defPPr>
         <a:lvl1pPr marL="0" marR="0" indent="0" algn="l" defTabSz="914400" rtl="0" fontAlgn="auto" latinLnBrk="1" hangingPunct="0">
@@ -8085,10 +8218,10 @@
         <a:noFill/>
         <a:ln w="25400" cap="flat">
           <a:solidFill>
-            <a:srgbClr val="000000"/>
+            <a:schemeClr val="accent1"/>
           </a:solidFill>
           <a:prstDash val="solid"/>
-          <a:miter lim="400000"/>
+          <a:round/>
         </a:ln>
         <a:effectLst/>
         <a:sp3d/>
@@ -8379,7 +8512,7 @@
         <a:spAutoFit/>
       </a:bodyPr>
       <a:lstStyle>
-        <a:defPPr marL="0" marR="0" indent="0" algn="l" defTabSz="2438338" rtl="0" fontAlgn="auto" latinLnBrk="0" hangingPunct="0">
+        <a:defPPr marL="0" marR="0" indent="0" algn="l" defTabSz="2438337" rtl="0" fontAlgn="auto" latinLnBrk="0" hangingPunct="0">
           <a:lnSpc>
             <a:spcPct val="90000"/>
           </a:lnSpc>

--- a/Fintech Group Presentation.pptx
+++ b/Fintech Group Presentation.pptx
@@ -4736,7 +4736,7 @@
               <a:spcBef>
                 <a:spcPts val="400"/>
               </a:spcBef>
-              <a:defRPr b="0" sz="3360"/>
+              <a:defRPr b="0"/>
             </a:pPr>
             <a:r>
               <a:rPr>
